--- a/docs/alarm_clock.pptx
+++ b/docs/alarm_clock.pptx
@@ -5,15 +5,18 @@
     <p:sldMasterId id="2147483648" r:id="rId4"/>
   </p:sldMasterIdLst>
   <p:notesMasterIdLst>
-    <p:notesMasterId r:id="rId11"/>
+    <p:notesMasterId r:id="rId14"/>
   </p:notesMasterIdLst>
   <p:sldIdLst>
     <p:sldId id="271" r:id="rId5"/>
     <p:sldId id="286" r:id="rId6"/>
     <p:sldId id="272" r:id="rId7"/>
-    <p:sldId id="287" r:id="rId8"/>
-    <p:sldId id="288" r:id="rId9"/>
-    <p:sldId id="285" r:id="rId10"/>
+    <p:sldId id="289" r:id="rId8"/>
+    <p:sldId id="290" r:id="rId9"/>
+    <p:sldId id="291" r:id="rId10"/>
+    <p:sldId id="287" r:id="rId11"/>
+    <p:sldId id="288" r:id="rId12"/>
+    <p:sldId id="285" r:id="rId13"/>
   </p:sldIdLst>
   <p:sldSz cx="12192000" cy="6858000"/>
   <p:notesSz cx="6858000" cy="9144000"/>
@@ -284,7 +287,7 @@
           <a:p>
             <a:fld id="{73261BF4-8B2C-784B-9959-B59A059012C3}" type="datetimeFigureOut">
               <a:rPr lang="en-RU" smtClean="0"/>
-              <a:t>06/06/2025</a:t>
+              <a:t>06/07/2025</a:t>
             </a:fld>
             <a:endParaRPr lang="en-RU"/>
           </a:p>
@@ -13688,7 +13691,7 @@
           <a:p>
             <a:fld id="{53063DFB-8595-A44B-9F09-A50FA310E559}" type="datetimeFigureOut">
               <a:rPr lang="en-RU" smtClean="0"/>
-              <a:t>06/06/2025</a:t>
+              <a:t>06/07/2025</a:t>
             </a:fld>
             <a:endParaRPr lang="en-RU"/>
           </a:p>
@@ -14345,8 +14348,9 @@
             </a:pPr>
             <a:r>
               <a:rPr lang="ru-RU" dirty="0"/>
-              <a:t>Разработать приложение для удобного и интуитивного взаимодействия с будильником.</a:t>
-            </a:r>
+              <a:t>Разработать устройство и написать ПО для его функционирования.</a:t>
+            </a:r>
+            <a:endParaRPr lang="en-US" dirty="0"/>
           </a:p>
           <a:p>
             <a:pPr marL="285750" indent="-285750">
@@ -14357,6 +14361,7 @@
               <a:rPr lang="ru-RU" dirty="0"/>
               <a:t>Разработать ПО для обработки пользовательских поз.</a:t>
             </a:r>
+            <a:endParaRPr lang="en-US" dirty="0"/>
           </a:p>
           <a:p>
             <a:pPr marL="285750" indent="-285750">
@@ -14365,11 +14370,8 @@
             </a:pPr>
             <a:r>
               <a:rPr lang="ru-RU" dirty="0"/>
-              <a:t>Разработать устройство и написать ПО для его функционирования.</a:t>
-            </a:r>
-          </a:p>
-          <a:p>
-            <a:endParaRPr lang="ru-RU" dirty="0"/>
+              <a:t>Разработать приложение для удобного и интуитивного взаимодействия с будильником.</a:t>
+            </a:r>
           </a:p>
         </p:txBody>
       </p:sp>
@@ -14771,24 +14773,29 @@
             </a:pPr>
             <a:r>
               <a:rPr lang="ru-RU" dirty="0"/>
-              <a:t>Интуитивное и удобное </a:t>
+              <a:t>Устройство было разработано на базе микроконтроллера </a:t>
             </a:r>
             <a:r>
               <a:rPr lang="en-US" dirty="0"/>
-              <a:t>Android</a:t>
+              <a:t>ESP32S3</a:t>
             </a:r>
             <a:r>
               <a:rPr lang="ru-RU" dirty="0"/>
-              <a:t> приложение было реализовано с на языке программирования </a:t>
+              <a:t>. Для реализации программной части был использован </a:t>
+            </a:r>
+            <a:r>
+              <a:rPr lang="en-US" dirty="0" err="1"/>
+              <a:t>FreeRTOS</a:t>
             </a:r>
             <a:r>
               <a:rPr lang="en-US" dirty="0"/>
-              <a:t>Kotlin. </a:t>
+              <a:t>. </a:t>
             </a:r>
             <a:r>
               <a:rPr lang="ru-RU" dirty="0"/>
-              <a:t>Для удобства была добавлена индикация подключения к устройству, а так же удобные виджеты для взаимодействия с ним.</a:t>
-            </a:r>
+              <a:t>А звуки издаёт пьезоэлектрический излучатель.</a:t>
+            </a:r>
+            <a:endParaRPr lang="en-US" dirty="0"/>
           </a:p>
           <a:p>
             <a:pPr marL="285750" indent="-285750">
@@ -14815,6 +14822,7 @@
               <a:rPr lang="ru-RU" dirty="0"/>
               <a:t> модель, которая определяет вектора-кости человека на изображении. Полученные вектора используются для сопоставления с векторами эталонной позы.</a:t>
             </a:r>
+            <a:endParaRPr lang="en-US" dirty="0"/>
           </a:p>
           <a:p>
             <a:pPr marL="285750" indent="-285750">
@@ -14823,35 +14831,24 @@
             </a:pPr>
             <a:r>
               <a:rPr lang="ru-RU" dirty="0"/>
-              <a:t>Устройство было разработано на базе микроконтроллера </a:t>
+              <a:t>Интуитивное и удобное </a:t>
             </a:r>
             <a:r>
               <a:rPr lang="en-US" dirty="0"/>
-              <a:t>ESP32S3</a:t>
+              <a:t>Android</a:t>
             </a:r>
             <a:r>
               <a:rPr lang="ru-RU" dirty="0"/>
-              <a:t>. Для реализации программной части был использован </a:t>
-            </a:r>
-            <a:r>
-              <a:rPr lang="en-US" dirty="0" err="1"/>
-              <a:t>FreeRTOS</a:t>
+              <a:t> приложение было реализовано с на языке программирования </a:t>
             </a:r>
             <a:r>
               <a:rPr lang="en-US" dirty="0"/>
-              <a:t>. </a:t>
+              <a:t>Kotlin. </a:t>
             </a:r>
             <a:r>
               <a:rPr lang="ru-RU" dirty="0"/>
-              <a:t>А звуки издаёт пьезоэлектрический излучатель.</a:t>
-            </a:r>
-          </a:p>
-          <a:p>
-            <a:pPr marL="285750" indent="-285750">
-              <a:buFont typeface="Arial" panose="020B0604020202020204" pitchFamily="34" charset="0"/>
-              <a:buChar char="•"/>
-            </a:pPr>
-            <a:endParaRPr lang="ru-RU" dirty="0"/>
+              <a:t>Для удобства была добавлена индикация подключения к устройству, а так же удобные виджеты для взаимодействия с ним.</a:t>
+            </a:r>
           </a:p>
         </p:txBody>
       </p:sp>
@@ -15030,29 +15027,6 @@
           <a:chExt cx="0" cy="0"/>
         </a:xfrm>
       </p:grpSpPr>
-      <p:pic>
-        <p:nvPicPr>
-          <p:cNvPr id="11" name="Picture Placeholder 10">
-            <a:extLst>
-              <a:ext uri="{FF2B5EF4-FFF2-40B4-BE49-F238E27FC236}">
-                <a16:creationId xmlns:a16="http://schemas.microsoft.com/office/drawing/2014/main" id="{DA12CBBB-35ED-49C9-B271-B713E72FEA8D}"/>
-              </a:ext>
-            </a:extLst>
-          </p:cNvPr>
-          <p:cNvPicPr>
-            <a:picLocks noGrp="1" noChangeAspect="1"/>
-          </p:cNvPicPr>
-          <p:nvPr>
-            <p:ph type="pic" sz="quarter" idx="10"/>
-          </p:nvPr>
-        </p:nvPicPr>
-        <p:blipFill rotWithShape="1">
-          <a:blip r:embed="rId2"/>
-          <a:srcRect t="12461" b="12461"/>
-          <a:stretch/>
-        </p:blipFill>
-        <p:spPr/>
-      </p:pic>
       <p:sp>
         <p:nvSpPr>
           <p:cNvPr id="3" name="Заголовок 2">
@@ -15076,35 +15050,7 @@
           <a:p>
             <a:r>
               <a:rPr lang="ru-RU" dirty="0"/>
-              <a:t>Результаты</a:t>
-            </a:r>
-          </a:p>
-        </p:txBody>
-      </p:sp>
-      <p:sp>
-        <p:nvSpPr>
-          <p:cNvPr id="4" name="Текст 3">
-            <a:extLst>
-              <a:ext uri="{FF2B5EF4-FFF2-40B4-BE49-F238E27FC236}">
-                <a16:creationId xmlns:a16="http://schemas.microsoft.com/office/drawing/2014/main" id="{53356540-7218-FF4B-B6BC-5BD291A372E2}"/>
-              </a:ext>
-            </a:extLst>
-          </p:cNvPr>
-          <p:cNvSpPr>
-            <a:spLocks noGrp="1"/>
-          </p:cNvSpPr>
-          <p:nvPr>
-            <p:ph type="body" sz="quarter" idx="12"/>
-          </p:nvPr>
-        </p:nvSpPr>
-        <p:spPr/>
-        <p:txBody>
-          <a:bodyPr/>
-          <a:lstStyle/>
-          <a:p>
-            <a:r>
-              <a:rPr lang="ru-RU" dirty="0"/>
-              <a:t>В результате был получен прототип, демонстрирующий реализацию поставленных задач. Данное устройство в полном объёме выполняет заданные требования, что можно считать успешным решением.</a:t>
+              <a:t>Разработка устройства</a:t>
             </a:r>
           </a:p>
         </p:txBody>
@@ -15191,15 +15137,572 @@
           <a:p>
             <a:r>
               <a:rPr lang="ru-RU" dirty="0"/>
-              <a:t>Результаты</a:t>
+              <a:t>Описание решения задач</a:t>
             </a:r>
           </a:p>
         </p:txBody>
       </p:sp>
+      <p:sp>
+        <p:nvSpPr>
+          <p:cNvPr id="9" name="Rectangle: Rounded Corners 8">
+            <a:extLst>
+              <a:ext uri="{FF2B5EF4-FFF2-40B4-BE49-F238E27FC236}">
+                <a16:creationId xmlns:a16="http://schemas.microsoft.com/office/drawing/2014/main" id="{924EA096-8860-4C71-B967-0D3E0336E3A6}"/>
+              </a:ext>
+            </a:extLst>
+          </p:cNvPr>
+          <p:cNvSpPr/>
+          <p:nvPr/>
+        </p:nvSpPr>
+        <p:spPr>
+          <a:xfrm>
+            <a:off x="1800744" y="3935240"/>
+            <a:ext cx="1575302" cy="842682"/>
+          </a:xfrm>
+          <a:prstGeom prst="roundRect">
+            <a:avLst/>
+          </a:prstGeom>
+        </p:spPr>
+        <p:style>
+          <a:lnRef idx="2">
+            <a:schemeClr val="accent1">
+              <a:shade val="50000"/>
+            </a:schemeClr>
+          </a:lnRef>
+          <a:fillRef idx="1">
+            <a:schemeClr val="accent1"/>
+          </a:fillRef>
+          <a:effectRef idx="0">
+            <a:schemeClr val="accent1"/>
+          </a:effectRef>
+          <a:fontRef idx="minor">
+            <a:schemeClr val="lt1"/>
+          </a:fontRef>
+        </p:style>
+        <p:txBody>
+          <a:bodyPr rtlCol="0" anchor="ctr"/>
+          <a:lstStyle/>
+          <a:p>
+            <a:pPr algn="ctr"/>
+            <a:r>
+              <a:rPr lang="en-US" dirty="0"/>
+              <a:t>logic</a:t>
+            </a:r>
+            <a:endParaRPr lang="ru-RU" dirty="0"/>
+          </a:p>
+        </p:txBody>
+      </p:sp>
+      <p:sp>
+        <p:nvSpPr>
+          <p:cNvPr id="13" name="Rectangle: Rounded Corners 12">
+            <a:extLst>
+              <a:ext uri="{FF2B5EF4-FFF2-40B4-BE49-F238E27FC236}">
+                <a16:creationId xmlns:a16="http://schemas.microsoft.com/office/drawing/2014/main" id="{465F0F36-7649-47B4-9CF9-CAD269D45F4E}"/>
+              </a:ext>
+            </a:extLst>
+          </p:cNvPr>
+          <p:cNvSpPr/>
+          <p:nvPr/>
+        </p:nvSpPr>
+        <p:spPr>
+          <a:xfrm>
+            <a:off x="3203533" y="2294435"/>
+            <a:ext cx="1575302" cy="842682"/>
+          </a:xfrm>
+          <a:prstGeom prst="roundRect">
+            <a:avLst/>
+          </a:prstGeom>
+        </p:spPr>
+        <p:style>
+          <a:lnRef idx="2">
+            <a:schemeClr val="accent1">
+              <a:shade val="50000"/>
+            </a:schemeClr>
+          </a:lnRef>
+          <a:fillRef idx="1">
+            <a:schemeClr val="accent1"/>
+          </a:fillRef>
+          <a:effectRef idx="0">
+            <a:schemeClr val="accent1"/>
+          </a:effectRef>
+          <a:fontRef idx="minor">
+            <a:schemeClr val="lt1"/>
+          </a:fontRef>
+        </p:style>
+        <p:txBody>
+          <a:bodyPr rtlCol="0" anchor="ctr"/>
+          <a:lstStyle/>
+          <a:p>
+            <a:pPr algn="ctr"/>
+            <a:r>
+              <a:rPr lang="en-US" dirty="0" err="1"/>
+              <a:t>wifi</a:t>
+            </a:r>
+            <a:endParaRPr lang="ru-RU" dirty="0"/>
+          </a:p>
+        </p:txBody>
+      </p:sp>
+      <p:sp>
+        <p:nvSpPr>
+          <p:cNvPr id="14" name="Rectangle: Rounded Corners 13">
+            <a:extLst>
+              <a:ext uri="{FF2B5EF4-FFF2-40B4-BE49-F238E27FC236}">
+                <a16:creationId xmlns:a16="http://schemas.microsoft.com/office/drawing/2014/main" id="{00E5ED04-2603-41E9-9D68-0614A5ABBC60}"/>
+              </a:ext>
+            </a:extLst>
+          </p:cNvPr>
+          <p:cNvSpPr/>
+          <p:nvPr/>
+        </p:nvSpPr>
+        <p:spPr>
+          <a:xfrm>
+            <a:off x="4494213" y="3480354"/>
+            <a:ext cx="1575302" cy="842682"/>
+          </a:xfrm>
+          <a:prstGeom prst="roundRect">
+            <a:avLst/>
+          </a:prstGeom>
+        </p:spPr>
+        <p:style>
+          <a:lnRef idx="2">
+            <a:schemeClr val="accent1">
+              <a:shade val="50000"/>
+            </a:schemeClr>
+          </a:lnRef>
+          <a:fillRef idx="1">
+            <a:schemeClr val="accent1"/>
+          </a:fillRef>
+          <a:effectRef idx="0">
+            <a:schemeClr val="accent1"/>
+          </a:effectRef>
+          <a:fontRef idx="minor">
+            <a:schemeClr val="lt1"/>
+          </a:fontRef>
+        </p:style>
+        <p:txBody>
+          <a:bodyPr rtlCol="0" anchor="ctr"/>
+          <a:lstStyle/>
+          <a:p>
+            <a:pPr algn="ctr"/>
+            <a:r>
+              <a:rPr lang="en-US" dirty="0" err="1"/>
+              <a:t>ble</a:t>
+            </a:r>
+            <a:endParaRPr lang="ru-RU" dirty="0"/>
+          </a:p>
+        </p:txBody>
+      </p:sp>
+      <p:sp>
+        <p:nvSpPr>
+          <p:cNvPr id="16" name="Rectangle: Rounded Corners 15">
+            <a:extLst>
+              <a:ext uri="{FF2B5EF4-FFF2-40B4-BE49-F238E27FC236}">
+                <a16:creationId xmlns:a16="http://schemas.microsoft.com/office/drawing/2014/main" id="{CA41F94D-3B9B-40A8-B793-08AAF0F36A48}"/>
+              </a:ext>
+            </a:extLst>
+          </p:cNvPr>
+          <p:cNvSpPr/>
+          <p:nvPr/>
+        </p:nvSpPr>
+        <p:spPr>
+          <a:xfrm>
+            <a:off x="4157445" y="5105015"/>
+            <a:ext cx="1575302" cy="842682"/>
+          </a:xfrm>
+          <a:prstGeom prst="roundRect">
+            <a:avLst/>
+          </a:prstGeom>
+        </p:spPr>
+        <p:style>
+          <a:lnRef idx="2">
+            <a:schemeClr val="accent1">
+              <a:shade val="50000"/>
+            </a:schemeClr>
+          </a:lnRef>
+          <a:fillRef idx="1">
+            <a:schemeClr val="accent1"/>
+          </a:fillRef>
+          <a:effectRef idx="0">
+            <a:schemeClr val="accent1"/>
+          </a:effectRef>
+          <a:fontRef idx="minor">
+            <a:schemeClr val="lt1"/>
+          </a:fontRef>
+        </p:style>
+        <p:txBody>
+          <a:bodyPr rtlCol="0" anchor="ctr"/>
+          <a:lstStyle/>
+          <a:p>
+            <a:pPr algn="ctr"/>
+            <a:r>
+              <a:rPr lang="en-US" dirty="0"/>
+              <a:t>camera</a:t>
+            </a:r>
+            <a:endParaRPr lang="ru-RU" dirty="0"/>
+          </a:p>
+        </p:txBody>
+      </p:sp>
+      <p:sp>
+        <p:nvSpPr>
+          <p:cNvPr id="18" name="Rectangle: Rounded Corners 17">
+            <a:extLst>
+              <a:ext uri="{FF2B5EF4-FFF2-40B4-BE49-F238E27FC236}">
+                <a16:creationId xmlns:a16="http://schemas.microsoft.com/office/drawing/2014/main" id="{C33E634B-6E20-41B9-B3AD-4D6F75E8C18F}"/>
+              </a:ext>
+            </a:extLst>
+          </p:cNvPr>
+          <p:cNvSpPr/>
+          <p:nvPr/>
+        </p:nvSpPr>
+        <p:spPr>
+          <a:xfrm>
+            <a:off x="2106190" y="5576046"/>
+            <a:ext cx="1575302" cy="842682"/>
+          </a:xfrm>
+          <a:prstGeom prst="roundRect">
+            <a:avLst/>
+          </a:prstGeom>
+        </p:spPr>
+        <p:style>
+          <a:lnRef idx="2">
+            <a:schemeClr val="accent1">
+              <a:shade val="50000"/>
+            </a:schemeClr>
+          </a:lnRef>
+          <a:fillRef idx="1">
+            <a:schemeClr val="accent1"/>
+          </a:fillRef>
+          <a:effectRef idx="0">
+            <a:schemeClr val="accent1"/>
+          </a:effectRef>
+          <a:fontRef idx="minor">
+            <a:schemeClr val="lt1"/>
+          </a:fontRef>
+        </p:style>
+        <p:txBody>
+          <a:bodyPr rtlCol="0" anchor="ctr"/>
+          <a:lstStyle/>
+          <a:p>
+            <a:pPr algn="ctr"/>
+            <a:r>
+              <a:rPr lang="en-US" dirty="0"/>
+              <a:t>music</a:t>
+            </a:r>
+            <a:endParaRPr lang="ru-RU" dirty="0"/>
+          </a:p>
+        </p:txBody>
+      </p:sp>
+      <p:sp>
+        <p:nvSpPr>
+          <p:cNvPr id="19" name="Rectangle: Rounded Corners 18">
+            <a:extLst>
+              <a:ext uri="{FF2B5EF4-FFF2-40B4-BE49-F238E27FC236}">
+                <a16:creationId xmlns:a16="http://schemas.microsoft.com/office/drawing/2014/main" id="{47C1C210-8A07-48F3-9CFD-571041799D2A}"/>
+              </a:ext>
+            </a:extLst>
+          </p:cNvPr>
+          <p:cNvSpPr/>
+          <p:nvPr/>
+        </p:nvSpPr>
+        <p:spPr>
+          <a:xfrm>
+            <a:off x="1013093" y="2274904"/>
+            <a:ext cx="1575302" cy="842682"/>
+          </a:xfrm>
+          <a:prstGeom prst="roundRect">
+            <a:avLst/>
+          </a:prstGeom>
+        </p:spPr>
+        <p:style>
+          <a:lnRef idx="2">
+            <a:schemeClr val="accent1">
+              <a:shade val="50000"/>
+            </a:schemeClr>
+          </a:lnRef>
+          <a:fillRef idx="1">
+            <a:schemeClr val="accent1"/>
+          </a:fillRef>
+          <a:effectRef idx="0">
+            <a:schemeClr val="accent1"/>
+          </a:effectRef>
+          <a:fontRef idx="minor">
+            <a:schemeClr val="lt1"/>
+          </a:fontRef>
+        </p:style>
+        <p:txBody>
+          <a:bodyPr rtlCol="0" anchor="ctr"/>
+          <a:lstStyle/>
+          <a:p>
+            <a:pPr algn="ctr"/>
+            <a:r>
+              <a:rPr lang="en-US" dirty="0"/>
+              <a:t>http</a:t>
+            </a:r>
+            <a:endParaRPr lang="ru-RU" dirty="0"/>
+          </a:p>
+        </p:txBody>
+      </p:sp>
+      <p:cxnSp>
+        <p:nvCxnSpPr>
+          <p:cNvPr id="12" name="Straight Arrow Connector 11">
+            <a:extLst>
+              <a:ext uri="{FF2B5EF4-FFF2-40B4-BE49-F238E27FC236}">
+                <a16:creationId xmlns:a16="http://schemas.microsoft.com/office/drawing/2014/main" id="{60B48AA8-FF4F-4BBE-997A-7A385D32E2E8}"/>
+              </a:ext>
+            </a:extLst>
+          </p:cNvPr>
+          <p:cNvCxnSpPr>
+            <a:cxnSpLocks/>
+          </p:cNvCxnSpPr>
+          <p:nvPr/>
+        </p:nvCxnSpPr>
+        <p:spPr>
+          <a:xfrm>
+            <a:off x="1765015" y="3171241"/>
+            <a:ext cx="341175" cy="710343"/>
+          </a:xfrm>
+          <a:prstGeom prst="straightConnector1">
+            <a:avLst/>
+          </a:prstGeom>
+          <a:ln>
+            <a:headEnd type="triangle"/>
+            <a:tailEnd type="triangle"/>
+          </a:ln>
+        </p:spPr>
+        <p:style>
+          <a:lnRef idx="1">
+            <a:schemeClr val="accent1"/>
+          </a:lnRef>
+          <a:fillRef idx="0">
+            <a:schemeClr val="accent1"/>
+          </a:fillRef>
+          <a:effectRef idx="0">
+            <a:schemeClr val="accent1"/>
+          </a:effectRef>
+          <a:fontRef idx="minor">
+            <a:schemeClr val="tx1"/>
+          </a:fontRef>
+        </p:style>
+      </p:cxnSp>
+      <p:cxnSp>
+        <p:nvCxnSpPr>
+          <p:cNvPr id="21" name="Straight Arrow Connector 20">
+            <a:extLst>
+              <a:ext uri="{FF2B5EF4-FFF2-40B4-BE49-F238E27FC236}">
+                <a16:creationId xmlns:a16="http://schemas.microsoft.com/office/drawing/2014/main" id="{47C7A24F-5289-453D-BFFF-131CEA874958}"/>
+              </a:ext>
+            </a:extLst>
+          </p:cNvPr>
+          <p:cNvCxnSpPr>
+            <a:cxnSpLocks/>
+          </p:cNvCxnSpPr>
+          <p:nvPr/>
+        </p:nvCxnSpPr>
+        <p:spPr>
+          <a:xfrm flipH="1">
+            <a:off x="3227040" y="3203403"/>
+            <a:ext cx="156582" cy="678181"/>
+          </a:xfrm>
+          <a:prstGeom prst="straightConnector1">
+            <a:avLst/>
+          </a:prstGeom>
+          <a:ln>
+            <a:headEnd type="triangle"/>
+            <a:tailEnd type="triangle"/>
+          </a:ln>
+        </p:spPr>
+        <p:style>
+          <a:lnRef idx="1">
+            <a:schemeClr val="accent1"/>
+          </a:lnRef>
+          <a:fillRef idx="0">
+            <a:schemeClr val="accent1"/>
+          </a:fillRef>
+          <a:effectRef idx="0">
+            <a:schemeClr val="accent1"/>
+          </a:effectRef>
+          <a:fontRef idx="minor">
+            <a:schemeClr val="tx1"/>
+          </a:fontRef>
+        </p:style>
+      </p:cxnSp>
+      <p:cxnSp>
+        <p:nvCxnSpPr>
+          <p:cNvPr id="23" name="Straight Arrow Connector 22">
+            <a:extLst>
+              <a:ext uri="{FF2B5EF4-FFF2-40B4-BE49-F238E27FC236}">
+                <a16:creationId xmlns:a16="http://schemas.microsoft.com/office/drawing/2014/main" id="{ABDAE08B-24A9-4152-9216-E95493C12ECC}"/>
+              </a:ext>
+            </a:extLst>
+          </p:cNvPr>
+          <p:cNvCxnSpPr>
+            <a:cxnSpLocks/>
+          </p:cNvCxnSpPr>
+          <p:nvPr/>
+        </p:nvCxnSpPr>
+        <p:spPr>
+          <a:xfrm flipH="1">
+            <a:off x="3445869" y="3881584"/>
+            <a:ext cx="984238" cy="311129"/>
+          </a:xfrm>
+          <a:prstGeom prst="straightConnector1">
+            <a:avLst/>
+          </a:prstGeom>
+          <a:ln>
+            <a:headEnd type="triangle"/>
+            <a:tailEnd type="triangle"/>
+          </a:ln>
+        </p:spPr>
+        <p:style>
+          <a:lnRef idx="1">
+            <a:schemeClr val="accent1"/>
+          </a:lnRef>
+          <a:fillRef idx="0">
+            <a:schemeClr val="accent1"/>
+          </a:fillRef>
+          <a:effectRef idx="0">
+            <a:schemeClr val="accent1"/>
+          </a:effectRef>
+          <a:fontRef idx="minor">
+            <a:schemeClr val="tx1"/>
+          </a:fontRef>
+        </p:style>
+      </p:cxnSp>
+      <p:cxnSp>
+        <p:nvCxnSpPr>
+          <p:cNvPr id="26" name="Straight Arrow Connector 25">
+            <a:extLst>
+              <a:ext uri="{FF2B5EF4-FFF2-40B4-BE49-F238E27FC236}">
+                <a16:creationId xmlns:a16="http://schemas.microsoft.com/office/drawing/2014/main" id="{CB9CC674-8829-46BB-B64E-48E2BE82A174}"/>
+              </a:ext>
+            </a:extLst>
+          </p:cNvPr>
+          <p:cNvCxnSpPr>
+            <a:cxnSpLocks/>
+          </p:cNvCxnSpPr>
+          <p:nvPr/>
+        </p:nvCxnSpPr>
+        <p:spPr>
+          <a:xfrm flipH="1" flipV="1">
+            <a:off x="3420258" y="4663744"/>
+            <a:ext cx="664573" cy="441271"/>
+          </a:xfrm>
+          <a:prstGeom prst="straightConnector1">
+            <a:avLst/>
+          </a:prstGeom>
+          <a:ln>
+            <a:headEnd type="triangle"/>
+            <a:tailEnd type="triangle"/>
+          </a:ln>
+        </p:spPr>
+        <p:style>
+          <a:lnRef idx="1">
+            <a:schemeClr val="accent1"/>
+          </a:lnRef>
+          <a:fillRef idx="0">
+            <a:schemeClr val="accent1"/>
+          </a:fillRef>
+          <a:effectRef idx="0">
+            <a:schemeClr val="accent1"/>
+          </a:effectRef>
+          <a:fontRef idx="minor">
+            <a:schemeClr val="tx1"/>
+          </a:fontRef>
+        </p:style>
+      </p:cxnSp>
+      <p:cxnSp>
+        <p:nvCxnSpPr>
+          <p:cNvPr id="31" name="Straight Arrow Connector 30">
+            <a:extLst>
+              <a:ext uri="{FF2B5EF4-FFF2-40B4-BE49-F238E27FC236}">
+                <a16:creationId xmlns:a16="http://schemas.microsoft.com/office/drawing/2014/main" id="{262A9529-DC01-4179-9C02-21724D7F95BE}"/>
+              </a:ext>
+            </a:extLst>
+          </p:cNvPr>
+          <p:cNvCxnSpPr>
+            <a:cxnSpLocks/>
+          </p:cNvCxnSpPr>
+          <p:nvPr/>
+        </p:nvCxnSpPr>
+        <p:spPr>
+          <a:xfrm flipH="1" flipV="1">
+            <a:off x="2651795" y="4845143"/>
+            <a:ext cx="205739" cy="681213"/>
+          </a:xfrm>
+          <a:prstGeom prst="straightConnector1">
+            <a:avLst/>
+          </a:prstGeom>
+          <a:ln>
+            <a:headEnd type="triangle"/>
+            <a:tailEnd type="triangle"/>
+          </a:ln>
+        </p:spPr>
+        <p:style>
+          <a:lnRef idx="1">
+            <a:schemeClr val="accent1"/>
+          </a:lnRef>
+          <a:fillRef idx="0">
+            <a:schemeClr val="accent1"/>
+          </a:fillRef>
+          <a:effectRef idx="0">
+            <a:schemeClr val="accent1"/>
+          </a:effectRef>
+          <a:fontRef idx="minor">
+            <a:schemeClr val="tx1"/>
+          </a:fontRef>
+        </p:style>
+      </p:cxnSp>
+      <p:pic>
+        <p:nvPicPr>
+          <p:cNvPr id="1030" name="Picture 6">
+            <a:extLst>
+              <a:ext uri="{FF2B5EF4-FFF2-40B4-BE49-F238E27FC236}">
+                <a16:creationId xmlns:a16="http://schemas.microsoft.com/office/drawing/2014/main" id="{A86AD14E-7652-4FC5-83F9-F538012C72DB}"/>
+              </a:ext>
+            </a:extLst>
+          </p:cNvPr>
+          <p:cNvPicPr>
+            <a:picLocks noChangeAspect="1" noChangeArrowheads="1"/>
+          </p:cNvPicPr>
+          <p:nvPr/>
+        </p:nvPicPr>
+        <p:blipFill>
+          <a:blip r:embed="rId2">
+            <a:extLst>
+              <a:ext uri="{28A0092B-C50C-407E-A947-70E740481C1C}">
+                <a14:useLocalDpi xmlns:a14="http://schemas.microsoft.com/office/drawing/2010/main" val="0"/>
+              </a:ext>
+            </a:extLst>
+          </a:blip>
+          <a:srcRect/>
+          <a:stretch>
+            <a:fillRect/>
+          </a:stretch>
+        </p:blipFill>
+        <p:spPr bwMode="auto">
+          <a:xfrm>
+            <a:off x="6240633" y="2294435"/>
+            <a:ext cx="5613419" cy="2848810"/>
+          </a:xfrm>
+          <a:prstGeom prst="rect">
+            <a:avLst/>
+          </a:prstGeom>
+          <a:noFill/>
+          <a:extLst>
+            <a:ext uri="{909E8E84-426E-40DD-AFC4-6F175D3DCCD1}">
+              <a14:hiddenFill xmlns:a14="http://schemas.microsoft.com/office/drawing/2010/main">
+                <a:solidFill>
+                  <a:srgbClr val="FFFFFF"/>
+                </a:solidFill>
+              </a14:hiddenFill>
+            </a:ext>
+          </a:extLst>
+        </p:spPr>
+      </p:pic>
     </p:spTree>
     <p:extLst>
       <p:ext uri="{BB962C8B-B14F-4D97-AF65-F5344CB8AC3E}">
-        <p14:creationId xmlns:p14="http://schemas.microsoft.com/office/powerpoint/2010/main" val="3501214864"/>
+        <p14:creationId xmlns:p14="http://schemas.microsoft.com/office/powerpoint/2010/main" val="3148506494"/>
       </p:ext>
     </p:extLst>
   </p:cSld>
@@ -15249,6 +15752,684 @@
           <a:p>
             <a:r>
               <a:rPr lang="ru-RU" dirty="0"/>
+              <a:t>Разработка </a:t>
+            </a:r>
+            <a:r>
+              <a:rPr lang="en-US" dirty="0"/>
+              <a:t>HTTP </a:t>
+            </a:r>
+            <a:r>
+              <a:rPr lang="ru-RU" dirty="0"/>
+              <a:t>сервера</a:t>
+            </a:r>
+          </a:p>
+        </p:txBody>
+      </p:sp>
+      <p:sp>
+        <p:nvSpPr>
+          <p:cNvPr id="4" name="Текст 3">
+            <a:extLst>
+              <a:ext uri="{FF2B5EF4-FFF2-40B4-BE49-F238E27FC236}">
+                <a16:creationId xmlns:a16="http://schemas.microsoft.com/office/drawing/2014/main" id="{53356540-7218-FF4B-B6BC-5BD291A372E2}"/>
+              </a:ext>
+            </a:extLst>
+          </p:cNvPr>
+          <p:cNvSpPr>
+            <a:spLocks noGrp="1"/>
+          </p:cNvSpPr>
+          <p:nvPr>
+            <p:ph type="body" sz="quarter" idx="12"/>
+          </p:nvPr>
+        </p:nvSpPr>
+        <p:spPr/>
+        <p:txBody>
+          <a:bodyPr/>
+          <a:lstStyle/>
+          <a:p>
+            <a:pPr marL="285750" indent="-285750">
+              <a:buFont typeface="Arial" panose="020B0604020202020204" pitchFamily="34" charset="0"/>
+              <a:buChar char="•"/>
+            </a:pPr>
+            <a:r>
+              <a:rPr lang="ru-RU" dirty="0"/>
+              <a:t>Для алгоритма сравнения поз в качестве ключевого параметра используется угол между векторами костей с эталонного изображения. Если угол превышает пороговое значение, то поза считается некорректной.</a:t>
+            </a:r>
+          </a:p>
+        </p:txBody>
+      </p:sp>
+      <p:sp>
+        <p:nvSpPr>
+          <p:cNvPr id="5" name="Текст 4">
+            <a:extLst>
+              <a:ext uri="{FF2B5EF4-FFF2-40B4-BE49-F238E27FC236}">
+                <a16:creationId xmlns:a16="http://schemas.microsoft.com/office/drawing/2014/main" id="{3EB29DC1-D5D4-FB41-9E2D-AA4750D0CC8B}"/>
+              </a:ext>
+            </a:extLst>
+          </p:cNvPr>
+          <p:cNvSpPr>
+            <a:spLocks noGrp="1"/>
+          </p:cNvSpPr>
+          <p:nvPr>
+            <p:ph type="body" sz="quarter" idx="13"/>
+          </p:nvPr>
+        </p:nvSpPr>
+        <p:spPr/>
+        <p:txBody>
+          <a:bodyPr/>
+          <a:lstStyle/>
+          <a:p>
+            <a:r>
+              <a:rPr lang="ru-RU" dirty="0"/>
+              <a:t>Департамент компьютерной инженерии</a:t>
+            </a:r>
+          </a:p>
+          <a:p>
+            <a:endParaRPr lang="ru-RU" dirty="0"/>
+          </a:p>
+        </p:txBody>
+      </p:sp>
+      <p:sp>
+        <p:nvSpPr>
+          <p:cNvPr id="6" name="Текст 5">
+            <a:extLst>
+              <a:ext uri="{FF2B5EF4-FFF2-40B4-BE49-F238E27FC236}">
+                <a16:creationId xmlns:a16="http://schemas.microsoft.com/office/drawing/2014/main" id="{B5B6DD1A-BEFA-D842-9B7A-78D7BD1A5259}"/>
+              </a:ext>
+            </a:extLst>
+          </p:cNvPr>
+          <p:cNvSpPr>
+            <a:spLocks noGrp="1"/>
+          </p:cNvSpPr>
+          <p:nvPr>
+            <p:ph type="body" sz="quarter" idx="14"/>
+          </p:nvPr>
+        </p:nvSpPr>
+        <p:spPr/>
+        <p:txBody>
+          <a:bodyPr/>
+          <a:lstStyle/>
+          <a:p>
+            <a:r>
+              <a:rPr lang="ru-RU" dirty="0"/>
+              <a:t>Будильник с технологией распознавания позы человека</a:t>
+            </a:r>
+          </a:p>
+        </p:txBody>
+      </p:sp>
+      <p:sp>
+        <p:nvSpPr>
+          <p:cNvPr id="7" name="Текст 6">
+            <a:extLst>
+              <a:ext uri="{FF2B5EF4-FFF2-40B4-BE49-F238E27FC236}">
+                <a16:creationId xmlns:a16="http://schemas.microsoft.com/office/drawing/2014/main" id="{88968744-3B75-9B47-92FD-77E1E725F232}"/>
+              </a:ext>
+            </a:extLst>
+          </p:cNvPr>
+          <p:cNvSpPr>
+            <a:spLocks noGrp="1"/>
+          </p:cNvSpPr>
+          <p:nvPr>
+            <p:ph type="body" sz="quarter" idx="15"/>
+          </p:nvPr>
+        </p:nvSpPr>
+        <p:spPr/>
+        <p:txBody>
+          <a:bodyPr/>
+          <a:lstStyle/>
+          <a:p>
+            <a:r>
+              <a:rPr lang="ru-RU" dirty="0"/>
+              <a:t>Описание решения задач</a:t>
+            </a:r>
+          </a:p>
+        </p:txBody>
+      </p:sp>
+      <p:pic>
+        <p:nvPicPr>
+          <p:cNvPr id="13" name="Picture Placeholder 12">
+            <a:extLst>
+              <a:ext uri="{FF2B5EF4-FFF2-40B4-BE49-F238E27FC236}">
+                <a16:creationId xmlns:a16="http://schemas.microsoft.com/office/drawing/2014/main" id="{E04FF392-869E-4613-93AF-F9A5801A3068}"/>
+              </a:ext>
+            </a:extLst>
+          </p:cNvPr>
+          <p:cNvPicPr>
+            <a:picLocks noGrp="1" noChangeAspect="1"/>
+          </p:cNvPicPr>
+          <p:nvPr>
+            <p:ph type="pic" sz="quarter" idx="10"/>
+          </p:nvPr>
+        </p:nvPicPr>
+        <p:blipFill rotWithShape="1">
+          <a:blip r:embed="rId2"/>
+          <a:srcRect l="27127" t="14406" r="27448" b="55954"/>
+          <a:stretch/>
+        </p:blipFill>
+        <p:spPr>
+          <a:xfrm>
+            <a:off x="7933764" y="3291868"/>
+            <a:ext cx="2277036" cy="1281954"/>
+          </a:xfrm>
+        </p:spPr>
+      </p:pic>
+    </p:spTree>
+    <p:extLst>
+      <p:ext uri="{BB962C8B-B14F-4D97-AF65-F5344CB8AC3E}">
+        <p14:creationId xmlns:p14="http://schemas.microsoft.com/office/powerpoint/2010/main" val="1185211922"/>
+      </p:ext>
+    </p:extLst>
+  </p:cSld>
+  <p:clrMapOvr>
+    <a:masterClrMapping/>
+  </p:clrMapOvr>
+</p:sld>
+</file>
+
+<file path=ppt/slides/slide6.xml><?xml version="1.0" encoding="utf-8"?>
+<p:sld xmlns:a="http://schemas.openxmlformats.org/drawingml/2006/main" xmlns:r="http://schemas.openxmlformats.org/officeDocument/2006/relationships" xmlns:p="http://schemas.openxmlformats.org/presentationml/2006/main">
+  <p:cSld>
+    <p:spTree>
+      <p:nvGrpSpPr>
+        <p:cNvPr id="1" name=""/>
+        <p:cNvGrpSpPr/>
+        <p:nvPr/>
+      </p:nvGrpSpPr>
+      <p:grpSpPr>
+        <a:xfrm>
+          <a:off x="0" y="0"/>
+          <a:ext cx="0" cy="0"/>
+          <a:chOff x="0" y="0"/>
+          <a:chExt cx="0" cy="0"/>
+        </a:xfrm>
+      </p:grpSpPr>
+      <p:sp>
+        <p:nvSpPr>
+          <p:cNvPr id="3" name="Заголовок 2">
+            <a:extLst>
+              <a:ext uri="{FF2B5EF4-FFF2-40B4-BE49-F238E27FC236}">
+                <a16:creationId xmlns:a16="http://schemas.microsoft.com/office/drawing/2014/main" id="{E2EAF03B-EC26-1D47-94AC-C75942861D6C}"/>
+              </a:ext>
+            </a:extLst>
+          </p:cNvPr>
+          <p:cNvSpPr>
+            <a:spLocks noGrp="1"/>
+          </p:cNvSpPr>
+          <p:nvPr>
+            <p:ph type="title"/>
+          </p:nvPr>
+        </p:nvSpPr>
+        <p:spPr/>
+        <p:txBody>
+          <a:bodyPr/>
+          <a:lstStyle/>
+          <a:p>
+            <a:r>
+              <a:rPr lang="ru-RU" dirty="0"/>
+              <a:t>Разработка </a:t>
+            </a:r>
+            <a:r>
+              <a:rPr lang="en-US" dirty="0"/>
+              <a:t>Android </a:t>
+            </a:r>
+            <a:r>
+              <a:rPr lang="ru-RU" dirty="0"/>
+              <a:t>приложения</a:t>
+            </a:r>
+          </a:p>
+        </p:txBody>
+      </p:sp>
+      <p:sp>
+        <p:nvSpPr>
+          <p:cNvPr id="4" name="Текст 3">
+            <a:extLst>
+              <a:ext uri="{FF2B5EF4-FFF2-40B4-BE49-F238E27FC236}">
+                <a16:creationId xmlns:a16="http://schemas.microsoft.com/office/drawing/2014/main" id="{53356540-7218-FF4B-B6BC-5BD291A372E2}"/>
+              </a:ext>
+            </a:extLst>
+          </p:cNvPr>
+          <p:cNvSpPr>
+            <a:spLocks noGrp="1"/>
+          </p:cNvSpPr>
+          <p:nvPr>
+            <p:ph type="body" sz="quarter" idx="12"/>
+          </p:nvPr>
+        </p:nvSpPr>
+        <p:spPr/>
+        <p:txBody>
+          <a:bodyPr/>
+          <a:lstStyle/>
+          <a:p>
+            <a:pPr marL="285750" indent="-285750">
+              <a:buFont typeface="Arial" panose="020B0604020202020204" pitchFamily="34" charset="0"/>
+              <a:buChar char="•"/>
+            </a:pPr>
+            <a:endParaRPr lang="ru-RU" dirty="0"/>
+          </a:p>
+        </p:txBody>
+      </p:sp>
+      <p:sp>
+        <p:nvSpPr>
+          <p:cNvPr id="5" name="Текст 4">
+            <a:extLst>
+              <a:ext uri="{FF2B5EF4-FFF2-40B4-BE49-F238E27FC236}">
+                <a16:creationId xmlns:a16="http://schemas.microsoft.com/office/drawing/2014/main" id="{3EB29DC1-D5D4-FB41-9E2D-AA4750D0CC8B}"/>
+              </a:ext>
+            </a:extLst>
+          </p:cNvPr>
+          <p:cNvSpPr>
+            <a:spLocks noGrp="1"/>
+          </p:cNvSpPr>
+          <p:nvPr>
+            <p:ph type="body" sz="quarter" idx="13"/>
+          </p:nvPr>
+        </p:nvSpPr>
+        <p:spPr/>
+        <p:txBody>
+          <a:bodyPr/>
+          <a:lstStyle/>
+          <a:p>
+            <a:r>
+              <a:rPr lang="ru-RU" dirty="0"/>
+              <a:t>Департамент компьютерной инженерии</a:t>
+            </a:r>
+          </a:p>
+          <a:p>
+            <a:endParaRPr lang="ru-RU" dirty="0"/>
+          </a:p>
+        </p:txBody>
+      </p:sp>
+      <p:sp>
+        <p:nvSpPr>
+          <p:cNvPr id="6" name="Текст 5">
+            <a:extLst>
+              <a:ext uri="{FF2B5EF4-FFF2-40B4-BE49-F238E27FC236}">
+                <a16:creationId xmlns:a16="http://schemas.microsoft.com/office/drawing/2014/main" id="{B5B6DD1A-BEFA-D842-9B7A-78D7BD1A5259}"/>
+              </a:ext>
+            </a:extLst>
+          </p:cNvPr>
+          <p:cNvSpPr>
+            <a:spLocks noGrp="1"/>
+          </p:cNvSpPr>
+          <p:nvPr>
+            <p:ph type="body" sz="quarter" idx="14"/>
+          </p:nvPr>
+        </p:nvSpPr>
+        <p:spPr/>
+        <p:txBody>
+          <a:bodyPr/>
+          <a:lstStyle/>
+          <a:p>
+            <a:r>
+              <a:rPr lang="ru-RU" dirty="0"/>
+              <a:t>Будильник с технологией распознавания позы человека</a:t>
+            </a:r>
+          </a:p>
+        </p:txBody>
+      </p:sp>
+      <p:sp>
+        <p:nvSpPr>
+          <p:cNvPr id="7" name="Текст 6">
+            <a:extLst>
+              <a:ext uri="{FF2B5EF4-FFF2-40B4-BE49-F238E27FC236}">
+                <a16:creationId xmlns:a16="http://schemas.microsoft.com/office/drawing/2014/main" id="{88968744-3B75-9B47-92FD-77E1E725F232}"/>
+              </a:ext>
+            </a:extLst>
+          </p:cNvPr>
+          <p:cNvSpPr>
+            <a:spLocks noGrp="1"/>
+          </p:cNvSpPr>
+          <p:nvPr>
+            <p:ph type="body" sz="quarter" idx="15"/>
+          </p:nvPr>
+        </p:nvSpPr>
+        <p:spPr/>
+        <p:txBody>
+          <a:bodyPr/>
+          <a:lstStyle/>
+          <a:p>
+            <a:r>
+              <a:rPr lang="ru-RU" dirty="0"/>
+              <a:t>Описание решения задач</a:t>
+            </a:r>
+          </a:p>
+        </p:txBody>
+      </p:sp>
+      <p:pic>
+        <p:nvPicPr>
+          <p:cNvPr id="13" name="Picture 12">
+            <a:extLst>
+              <a:ext uri="{FF2B5EF4-FFF2-40B4-BE49-F238E27FC236}">
+                <a16:creationId xmlns:a16="http://schemas.microsoft.com/office/drawing/2014/main" id="{FCE256B9-1199-4CA4-9008-42116749E45F}"/>
+              </a:ext>
+            </a:extLst>
+          </p:cNvPr>
+          <p:cNvPicPr>
+            <a:picLocks noChangeAspect="1"/>
+          </p:cNvPicPr>
+          <p:nvPr/>
+        </p:nvPicPr>
+        <p:blipFill rotWithShape="1">
+          <a:blip r:embed="rId2"/>
+          <a:srcRect t="3922"/>
+          <a:stretch/>
+        </p:blipFill>
+        <p:spPr>
+          <a:xfrm>
+            <a:off x="6167718" y="2070847"/>
+            <a:ext cx="1543050" cy="3294530"/>
+          </a:xfrm>
+          <a:prstGeom prst="rect">
+            <a:avLst/>
+          </a:prstGeom>
+        </p:spPr>
+      </p:pic>
+      <p:pic>
+        <p:nvPicPr>
+          <p:cNvPr id="16" name="Picture 15">
+            <a:extLst>
+              <a:ext uri="{FF2B5EF4-FFF2-40B4-BE49-F238E27FC236}">
+                <a16:creationId xmlns:a16="http://schemas.microsoft.com/office/drawing/2014/main" id="{EF57A756-2CD9-4E93-9FA0-6FC2C9CE2773}"/>
+              </a:ext>
+            </a:extLst>
+          </p:cNvPr>
+          <p:cNvPicPr>
+            <a:picLocks noChangeAspect="1"/>
+          </p:cNvPicPr>
+          <p:nvPr/>
+        </p:nvPicPr>
+        <p:blipFill rotWithShape="1">
+          <a:blip r:embed="rId3"/>
+          <a:srcRect t="3660"/>
+          <a:stretch/>
+        </p:blipFill>
+        <p:spPr>
+          <a:xfrm>
+            <a:off x="8020056" y="2070847"/>
+            <a:ext cx="1538863" cy="3294530"/>
+          </a:xfrm>
+          <a:prstGeom prst="rect">
+            <a:avLst/>
+          </a:prstGeom>
+        </p:spPr>
+      </p:pic>
+      <p:pic>
+        <p:nvPicPr>
+          <p:cNvPr id="19" name="Picture 18">
+            <a:extLst>
+              <a:ext uri="{FF2B5EF4-FFF2-40B4-BE49-F238E27FC236}">
+                <a16:creationId xmlns:a16="http://schemas.microsoft.com/office/drawing/2014/main" id="{4BAD46CF-D628-4CEF-B09C-A03CF59CB8E6}"/>
+              </a:ext>
+            </a:extLst>
+          </p:cNvPr>
+          <p:cNvPicPr>
+            <a:picLocks noChangeAspect="1"/>
+          </p:cNvPicPr>
+          <p:nvPr/>
+        </p:nvPicPr>
+        <p:blipFill rotWithShape="1">
+          <a:blip r:embed="rId4"/>
+          <a:srcRect t="3660"/>
+          <a:stretch/>
+        </p:blipFill>
+        <p:spPr>
+          <a:xfrm>
+            <a:off x="9868206" y="2070847"/>
+            <a:ext cx="1538863" cy="3294530"/>
+          </a:xfrm>
+          <a:prstGeom prst="rect">
+            <a:avLst/>
+          </a:prstGeom>
+        </p:spPr>
+      </p:pic>
+    </p:spTree>
+    <p:extLst>
+      <p:ext uri="{BB962C8B-B14F-4D97-AF65-F5344CB8AC3E}">
+        <p14:creationId xmlns:p14="http://schemas.microsoft.com/office/powerpoint/2010/main" val="1552195313"/>
+      </p:ext>
+    </p:extLst>
+  </p:cSld>
+  <p:clrMapOvr>
+    <a:masterClrMapping/>
+  </p:clrMapOvr>
+</p:sld>
+</file>
+
+<file path=ppt/slides/slide7.xml><?xml version="1.0" encoding="utf-8"?>
+<p:sld xmlns:a="http://schemas.openxmlformats.org/drawingml/2006/main" xmlns:r="http://schemas.openxmlformats.org/officeDocument/2006/relationships" xmlns:p="http://schemas.openxmlformats.org/presentationml/2006/main">
+  <p:cSld>
+    <p:spTree>
+      <p:nvGrpSpPr>
+        <p:cNvPr id="1" name=""/>
+        <p:cNvGrpSpPr/>
+        <p:nvPr/>
+      </p:nvGrpSpPr>
+      <p:grpSpPr>
+        <a:xfrm>
+          <a:off x="0" y="0"/>
+          <a:ext cx="0" cy="0"/>
+          <a:chOff x="0" y="0"/>
+          <a:chExt cx="0" cy="0"/>
+        </a:xfrm>
+      </p:grpSpPr>
+      <p:pic>
+        <p:nvPicPr>
+          <p:cNvPr id="11" name="Picture Placeholder 10">
+            <a:extLst>
+              <a:ext uri="{FF2B5EF4-FFF2-40B4-BE49-F238E27FC236}">
+                <a16:creationId xmlns:a16="http://schemas.microsoft.com/office/drawing/2014/main" id="{DA12CBBB-35ED-49C9-B271-B713E72FEA8D}"/>
+              </a:ext>
+            </a:extLst>
+          </p:cNvPr>
+          <p:cNvPicPr>
+            <a:picLocks noGrp="1" noChangeAspect="1"/>
+          </p:cNvPicPr>
+          <p:nvPr>
+            <p:ph type="pic" sz="quarter" idx="10"/>
+          </p:nvPr>
+        </p:nvPicPr>
+        <p:blipFill rotWithShape="1">
+          <a:blip r:embed="rId2"/>
+          <a:srcRect t="12461" b="12461"/>
+          <a:stretch/>
+        </p:blipFill>
+        <p:spPr/>
+      </p:pic>
+      <p:sp>
+        <p:nvSpPr>
+          <p:cNvPr id="3" name="Заголовок 2">
+            <a:extLst>
+              <a:ext uri="{FF2B5EF4-FFF2-40B4-BE49-F238E27FC236}">
+                <a16:creationId xmlns:a16="http://schemas.microsoft.com/office/drawing/2014/main" id="{E2EAF03B-EC26-1D47-94AC-C75942861D6C}"/>
+              </a:ext>
+            </a:extLst>
+          </p:cNvPr>
+          <p:cNvSpPr>
+            <a:spLocks noGrp="1"/>
+          </p:cNvSpPr>
+          <p:nvPr>
+            <p:ph type="title"/>
+          </p:nvPr>
+        </p:nvSpPr>
+        <p:spPr/>
+        <p:txBody>
+          <a:bodyPr/>
+          <a:lstStyle/>
+          <a:p>
+            <a:r>
+              <a:rPr lang="ru-RU" dirty="0"/>
+              <a:t>Результаты</a:t>
+            </a:r>
+          </a:p>
+        </p:txBody>
+      </p:sp>
+      <p:sp>
+        <p:nvSpPr>
+          <p:cNvPr id="4" name="Текст 3">
+            <a:extLst>
+              <a:ext uri="{FF2B5EF4-FFF2-40B4-BE49-F238E27FC236}">
+                <a16:creationId xmlns:a16="http://schemas.microsoft.com/office/drawing/2014/main" id="{53356540-7218-FF4B-B6BC-5BD291A372E2}"/>
+              </a:ext>
+            </a:extLst>
+          </p:cNvPr>
+          <p:cNvSpPr>
+            <a:spLocks noGrp="1"/>
+          </p:cNvSpPr>
+          <p:nvPr>
+            <p:ph type="body" sz="quarter" idx="12"/>
+          </p:nvPr>
+        </p:nvSpPr>
+        <p:spPr/>
+        <p:txBody>
+          <a:bodyPr/>
+          <a:lstStyle/>
+          <a:p>
+            <a:r>
+              <a:rPr lang="ru-RU" dirty="0"/>
+              <a:t>В результате был получен прототип, демонстрирующий реализацию поставленных задач. Данное устройство в полном объёме выполняет заданные требования, что можно считать успешным решением.</a:t>
+            </a:r>
+          </a:p>
+        </p:txBody>
+      </p:sp>
+      <p:sp>
+        <p:nvSpPr>
+          <p:cNvPr id="5" name="Текст 4">
+            <a:extLst>
+              <a:ext uri="{FF2B5EF4-FFF2-40B4-BE49-F238E27FC236}">
+                <a16:creationId xmlns:a16="http://schemas.microsoft.com/office/drawing/2014/main" id="{3EB29DC1-D5D4-FB41-9E2D-AA4750D0CC8B}"/>
+              </a:ext>
+            </a:extLst>
+          </p:cNvPr>
+          <p:cNvSpPr>
+            <a:spLocks noGrp="1"/>
+          </p:cNvSpPr>
+          <p:nvPr>
+            <p:ph type="body" sz="quarter" idx="13"/>
+          </p:nvPr>
+        </p:nvSpPr>
+        <p:spPr/>
+        <p:txBody>
+          <a:bodyPr/>
+          <a:lstStyle/>
+          <a:p>
+            <a:r>
+              <a:rPr lang="ru-RU" dirty="0"/>
+              <a:t>Департамент компьютерной инженерии</a:t>
+            </a:r>
+          </a:p>
+          <a:p>
+            <a:endParaRPr lang="ru-RU" dirty="0"/>
+          </a:p>
+        </p:txBody>
+      </p:sp>
+      <p:sp>
+        <p:nvSpPr>
+          <p:cNvPr id="6" name="Текст 5">
+            <a:extLst>
+              <a:ext uri="{FF2B5EF4-FFF2-40B4-BE49-F238E27FC236}">
+                <a16:creationId xmlns:a16="http://schemas.microsoft.com/office/drawing/2014/main" id="{B5B6DD1A-BEFA-D842-9B7A-78D7BD1A5259}"/>
+              </a:ext>
+            </a:extLst>
+          </p:cNvPr>
+          <p:cNvSpPr>
+            <a:spLocks noGrp="1"/>
+          </p:cNvSpPr>
+          <p:nvPr>
+            <p:ph type="body" sz="quarter" idx="14"/>
+          </p:nvPr>
+        </p:nvSpPr>
+        <p:spPr/>
+        <p:txBody>
+          <a:bodyPr/>
+          <a:lstStyle/>
+          <a:p>
+            <a:r>
+              <a:rPr lang="ru-RU" dirty="0"/>
+              <a:t>Будильник с технологией распознавания позы человека</a:t>
+            </a:r>
+          </a:p>
+        </p:txBody>
+      </p:sp>
+      <p:sp>
+        <p:nvSpPr>
+          <p:cNvPr id="7" name="Текст 6">
+            <a:extLst>
+              <a:ext uri="{FF2B5EF4-FFF2-40B4-BE49-F238E27FC236}">
+                <a16:creationId xmlns:a16="http://schemas.microsoft.com/office/drawing/2014/main" id="{88968744-3B75-9B47-92FD-77E1E725F232}"/>
+              </a:ext>
+            </a:extLst>
+          </p:cNvPr>
+          <p:cNvSpPr>
+            <a:spLocks noGrp="1"/>
+          </p:cNvSpPr>
+          <p:nvPr>
+            <p:ph type="body" sz="quarter" idx="15"/>
+          </p:nvPr>
+        </p:nvSpPr>
+        <p:spPr/>
+        <p:txBody>
+          <a:bodyPr/>
+          <a:lstStyle/>
+          <a:p>
+            <a:r>
+              <a:rPr lang="ru-RU" dirty="0"/>
+              <a:t>Результаты</a:t>
+            </a:r>
+          </a:p>
+        </p:txBody>
+      </p:sp>
+    </p:spTree>
+    <p:extLst>
+      <p:ext uri="{BB962C8B-B14F-4D97-AF65-F5344CB8AC3E}">
+        <p14:creationId xmlns:p14="http://schemas.microsoft.com/office/powerpoint/2010/main" val="3501214864"/>
+      </p:ext>
+    </p:extLst>
+  </p:cSld>
+  <p:clrMapOvr>
+    <a:masterClrMapping/>
+  </p:clrMapOvr>
+</p:sld>
+</file>
+
+<file path=ppt/slides/slide8.xml><?xml version="1.0" encoding="utf-8"?>
+<p:sld xmlns:a="http://schemas.openxmlformats.org/drawingml/2006/main" xmlns:r="http://schemas.openxmlformats.org/officeDocument/2006/relationships" xmlns:p="http://schemas.openxmlformats.org/presentationml/2006/main">
+  <p:cSld>
+    <p:spTree>
+      <p:nvGrpSpPr>
+        <p:cNvPr id="1" name=""/>
+        <p:cNvGrpSpPr/>
+        <p:nvPr/>
+      </p:nvGrpSpPr>
+      <p:grpSpPr>
+        <a:xfrm>
+          <a:off x="0" y="0"/>
+          <a:ext cx="0" cy="0"/>
+          <a:chOff x="0" y="0"/>
+          <a:chExt cx="0" cy="0"/>
+        </a:xfrm>
+      </p:grpSpPr>
+      <p:sp>
+        <p:nvSpPr>
+          <p:cNvPr id="3" name="Заголовок 2">
+            <a:extLst>
+              <a:ext uri="{FF2B5EF4-FFF2-40B4-BE49-F238E27FC236}">
+                <a16:creationId xmlns:a16="http://schemas.microsoft.com/office/drawing/2014/main" id="{E2EAF03B-EC26-1D47-94AC-C75942861D6C}"/>
+              </a:ext>
+            </a:extLst>
+          </p:cNvPr>
+          <p:cNvSpPr>
+            <a:spLocks noGrp="1"/>
+          </p:cNvSpPr>
+          <p:nvPr>
+            <p:ph type="title"/>
+          </p:nvPr>
+        </p:nvSpPr>
+        <p:spPr/>
+        <p:txBody>
+          <a:bodyPr/>
+          <a:lstStyle/>
+          <a:p>
+            <a:r>
+              <a:rPr lang="ru-RU" dirty="0"/>
               <a:t>Выводы</a:t>
             </a:r>
           </a:p>
@@ -15478,7 +16659,7 @@
 </p:sld>
 </file>
 
-<file path=ppt/slides/slide6.xml><?xml version="1.0" encoding="utf-8"?>
+<file path=ppt/slides/slide9.xml><?xml version="1.0" encoding="utf-8"?>
 <p:sld xmlns:a="http://schemas.openxmlformats.org/drawingml/2006/main" xmlns:r="http://schemas.openxmlformats.org/officeDocument/2006/relationships" xmlns:p="http://schemas.openxmlformats.org/presentationml/2006/main">
   <p:cSld>
     <p:spTree>
@@ -16115,6 +17296,21 @@
 </file>
 
 <file path=customXml/item1.xml><?xml version="1.0" encoding="utf-8"?>
+<p:properties xmlns:p="http://schemas.microsoft.com/office/2006/metadata/properties" xmlns:xsi="http://www.w3.org/2001/XMLSchema-instance" xmlns:pc="http://schemas.microsoft.com/office/infopath/2007/PartnerControls">
+  <documentManagement/>
+</p:properties>
+</file>
+
+<file path=customXml/item2.xml><?xml version="1.0" encoding="utf-8"?>
+<?mso-contentType ?>
+<FormTemplates xmlns="http://schemas.microsoft.com/sharepoint/v3/contenttype/forms">
+  <Display>DocumentLibraryForm</Display>
+  <Edit>DocumentLibraryForm</Edit>
+  <New>DocumentLibraryForm</New>
+</FormTemplates>
+</file>
+
+<file path=customXml/item3.xml><?xml version="1.0" encoding="utf-8"?>
 <ct:contentTypeSchema xmlns:ct="http://schemas.microsoft.com/office/2006/metadata/contentType" xmlns:ma="http://schemas.microsoft.com/office/2006/metadata/properties/metaAttributes" ct:_="" ma:_="" ma:contentTypeName="Документ" ma:contentTypeID="0x0101002A9C74E6E830D74E9B0FDDB4017A5417" ma:contentTypeVersion="13" ma:contentTypeDescription="Создание документа." ma:contentTypeScope="" ma:versionID="d4e423622451d608a8a05f4da7a1e1a2">
   <xsd:schema xmlns:xsd="http://www.w3.org/2001/XMLSchema" xmlns:xs="http://www.w3.org/2001/XMLSchema" xmlns:p="http://schemas.microsoft.com/office/2006/metadata/properties" xmlns:ns2="9875bd71-cde8-496c-a136-433f55d5e6d0" xmlns:ns3="e96afe77-3acb-4328-97fc-408e1bde3ecd" targetNamespace="http://schemas.microsoft.com/office/2006/metadata/properties" ma:root="true" ma:fieldsID="4831203c63c08b9f52ea6d3ee0d7a96e" ns2:_="" ns3:_="">
     <xsd:import namespace="9875bd71-cde8-496c-a136-433f55d5e6d0"/>
@@ -16337,22 +17533,32 @@
 </ct:contentTypeSchema>
 </file>
 
-<file path=customXml/item2.xml><?xml version="1.0" encoding="utf-8"?>
-<?mso-contentType ?>
-<FormTemplates xmlns="http://schemas.microsoft.com/sharepoint/v3/contenttype/forms">
-  <Display>DocumentLibraryForm</Display>
-  <Edit>DocumentLibraryForm</Edit>
-  <New>DocumentLibraryForm</New>
-</FormTemplates>
+<file path=customXml/itemProps1.xml><?xml version="1.0" encoding="utf-8"?>
+<ds:datastoreItem xmlns:ds="http://schemas.openxmlformats.org/officeDocument/2006/customXml" ds:itemID="{433DAF31-D8A6-49A0-9A5D-8B2EA5B1C511}">
+  <ds:schemaRefs>
+    <ds:schemaRef ds:uri="http://purl.org/dc/elements/1.1/"/>
+    <ds:schemaRef ds:uri="http://schemas.microsoft.com/office/2006/documentManagement/types"/>
+    <ds:schemaRef ds:uri="http://schemas.microsoft.com/office/infopath/2007/PartnerControls"/>
+    <ds:schemaRef ds:uri="http://purl.org/dc/dcmitype/"/>
+    <ds:schemaRef ds:uri="e96afe77-3acb-4328-97fc-408e1bde3ecd"/>
+    <ds:schemaRef ds:uri="http://schemas.microsoft.com/office/2006/metadata/properties"/>
+    <ds:schemaRef ds:uri="http://purl.org/dc/terms/"/>
+    <ds:schemaRef ds:uri="http://www.w3.org/XML/1998/namespace"/>
+    <ds:schemaRef ds:uri="http://schemas.openxmlformats.org/package/2006/metadata/core-properties"/>
+    <ds:schemaRef ds:uri="9875bd71-cde8-496c-a136-433f55d5e6d0"/>
+  </ds:schemaRefs>
+</ds:datastoreItem>
 </file>
 
-<file path=customXml/item3.xml><?xml version="1.0" encoding="utf-8"?>
-<p:properties xmlns:p="http://schemas.microsoft.com/office/2006/metadata/properties" xmlns:xsi="http://www.w3.org/2001/XMLSchema-instance" xmlns:pc="http://schemas.microsoft.com/office/infopath/2007/PartnerControls">
-  <documentManagement/>
-</p:properties>
+<file path=customXml/itemProps2.xml><?xml version="1.0" encoding="utf-8"?>
+<ds:datastoreItem xmlns:ds="http://schemas.openxmlformats.org/officeDocument/2006/customXml" ds:itemID="{B34386AA-1848-4C75-B336-1053927CB025}">
+  <ds:schemaRefs>
+    <ds:schemaRef ds:uri="http://schemas.microsoft.com/sharepoint/v3/contenttype/forms"/>
+  </ds:schemaRefs>
+</ds:datastoreItem>
 </file>
 
-<file path=customXml/itemProps1.xml><?xml version="1.0" encoding="utf-8"?>
+<file path=customXml/itemProps3.xml><?xml version="1.0" encoding="utf-8"?>
 <ds:datastoreItem xmlns:ds="http://schemas.openxmlformats.org/officeDocument/2006/customXml" ds:itemID="{4D4651DD-DCCC-4759-B2F6-7F520BDCC2B9}">
   <ds:schemaRefs>
     <ds:schemaRef ds:uri="http://schemas.microsoft.com/office/2006/metadata/contentType"/>
@@ -16369,29 +17575,4 @@
     <ds:schemaRef ds:uri="http://schemas.microsoft.com/internal/obd"/>
   </ds:schemaRefs>
 </ds:datastoreItem>
-</file>
-
-<file path=customXml/itemProps2.xml><?xml version="1.0" encoding="utf-8"?>
-<ds:datastoreItem xmlns:ds="http://schemas.openxmlformats.org/officeDocument/2006/customXml" ds:itemID="{B34386AA-1848-4C75-B336-1053927CB025}">
-  <ds:schemaRefs>
-    <ds:schemaRef ds:uri="http://schemas.microsoft.com/sharepoint/v3/contenttype/forms"/>
-  </ds:schemaRefs>
-</ds:datastoreItem>
-</file>
-
-<file path=customXml/itemProps3.xml><?xml version="1.0" encoding="utf-8"?>
-<ds:datastoreItem xmlns:ds="http://schemas.openxmlformats.org/officeDocument/2006/customXml" ds:itemID="{433DAF31-D8A6-49A0-9A5D-8B2EA5B1C511}">
-  <ds:schemaRefs>
-    <ds:schemaRef ds:uri="http://purl.org/dc/elements/1.1/"/>
-    <ds:schemaRef ds:uri="http://schemas.microsoft.com/office/2006/documentManagement/types"/>
-    <ds:schemaRef ds:uri="http://schemas.microsoft.com/office/infopath/2007/PartnerControls"/>
-    <ds:schemaRef ds:uri="http://purl.org/dc/dcmitype/"/>
-    <ds:schemaRef ds:uri="e96afe77-3acb-4328-97fc-408e1bde3ecd"/>
-    <ds:schemaRef ds:uri="http://schemas.microsoft.com/office/2006/metadata/properties"/>
-    <ds:schemaRef ds:uri="http://purl.org/dc/terms/"/>
-    <ds:schemaRef ds:uri="http://www.w3.org/XML/1998/namespace"/>
-    <ds:schemaRef ds:uri="http://schemas.openxmlformats.org/package/2006/metadata/core-properties"/>
-    <ds:schemaRef ds:uri="9875bd71-cde8-496c-a136-433f55d5e6d0"/>
-  </ds:schemaRefs>
-</ds:datastoreItem>
 </file>
--- a/docs/alarm_clock.pptx
+++ b/docs/alarm_clock.pptx
@@ -5,18 +5,19 @@
     <p:sldMasterId id="2147483648" r:id="rId4"/>
   </p:sldMasterIdLst>
   <p:notesMasterIdLst>
-    <p:notesMasterId r:id="rId14"/>
+    <p:notesMasterId r:id="rId15"/>
   </p:notesMasterIdLst>
   <p:sldIdLst>
     <p:sldId id="271" r:id="rId5"/>
     <p:sldId id="286" r:id="rId6"/>
     <p:sldId id="272" r:id="rId7"/>
-    <p:sldId id="289" r:id="rId8"/>
-    <p:sldId id="290" r:id="rId9"/>
-    <p:sldId id="291" r:id="rId10"/>
-    <p:sldId id="287" r:id="rId11"/>
-    <p:sldId id="288" r:id="rId12"/>
-    <p:sldId id="285" r:id="rId13"/>
+    <p:sldId id="292" r:id="rId8"/>
+    <p:sldId id="289" r:id="rId9"/>
+    <p:sldId id="290" r:id="rId10"/>
+    <p:sldId id="291" r:id="rId11"/>
+    <p:sldId id="287" r:id="rId12"/>
+    <p:sldId id="288" r:id="rId13"/>
+    <p:sldId id="285" r:id="rId14"/>
   </p:sldIdLst>
   <p:sldSz cx="12192000" cy="6858000"/>
   <p:notesSz cx="6858000" cy="9144000"/>
@@ -553,6 +554,102 @@
     </a:lvl9pPr>
   </p:notesStyle>
 </p:notesMaster>
+</file>
+
+<file path=ppt/notesSlides/notesSlide1.xml><?xml version="1.0" encoding="utf-8"?>
+<p:notes xmlns:a="http://schemas.openxmlformats.org/drawingml/2006/main" xmlns:r="http://schemas.openxmlformats.org/officeDocument/2006/relationships" xmlns:p="http://schemas.openxmlformats.org/presentationml/2006/main">
+  <p:cSld>
+    <p:spTree>
+      <p:nvGrpSpPr>
+        <p:cNvPr id="1" name=""/>
+        <p:cNvGrpSpPr/>
+        <p:nvPr/>
+      </p:nvGrpSpPr>
+      <p:grpSpPr>
+        <a:xfrm>
+          <a:off x="0" y="0"/>
+          <a:ext cx="0" cy="0"/>
+          <a:chOff x="0" y="0"/>
+          <a:chExt cx="0" cy="0"/>
+        </a:xfrm>
+      </p:grpSpPr>
+      <p:sp>
+        <p:nvSpPr>
+          <p:cNvPr id="2" name="Slide Image Placeholder 1"/>
+          <p:cNvSpPr>
+            <a:spLocks noGrp="1" noRot="1" noChangeAspect="1"/>
+          </p:cNvSpPr>
+          <p:nvPr>
+            <p:ph type="sldImg"/>
+          </p:nvPr>
+        </p:nvSpPr>
+        <p:spPr/>
+      </p:sp>
+      <p:sp>
+        <p:nvSpPr>
+          <p:cNvPr id="3" name="Notes Placeholder 2"/>
+          <p:cNvSpPr>
+            <a:spLocks noGrp="1"/>
+          </p:cNvSpPr>
+          <p:nvPr>
+            <p:ph type="body" idx="1"/>
+          </p:nvPr>
+        </p:nvSpPr>
+        <p:spPr/>
+        <p:txBody>
+          <a:bodyPr/>
+          <a:lstStyle/>
+          <a:p>
+            <a:r>
+              <a:rPr lang="en-US" dirty="0"/>
+              <a:t>Android </a:t>
+            </a:r>
+            <a:r>
+              <a:rPr lang="en-US" dirty="0" err="1"/>
+              <a:t>sdk</a:t>
+            </a:r>
+            <a:r>
+              <a:rPr lang="en-US" dirty="0"/>
+              <a:t> level 31 -&gt; android 12 minimum</a:t>
+            </a:r>
+            <a:endParaRPr lang="ru-RU" dirty="0"/>
+          </a:p>
+        </p:txBody>
+      </p:sp>
+      <p:sp>
+        <p:nvSpPr>
+          <p:cNvPr id="4" name="Slide Number Placeholder 3"/>
+          <p:cNvSpPr>
+            <a:spLocks noGrp="1"/>
+          </p:cNvSpPr>
+          <p:nvPr>
+            <p:ph type="sldNum" sz="quarter" idx="5"/>
+          </p:nvPr>
+        </p:nvSpPr>
+        <p:spPr/>
+        <p:txBody>
+          <a:bodyPr/>
+          <a:lstStyle/>
+          <a:p>
+            <a:fld id="{6C748903-8EB5-294E-A216-6B54B0368783}" type="slidenum">
+              <a:rPr lang="en-RU" smtClean="0"/>
+              <a:t>7</a:t>
+            </a:fld>
+            <a:endParaRPr lang="en-RU"/>
+          </a:p>
+        </p:txBody>
+      </p:sp>
+    </p:spTree>
+    <p:extLst>
+      <p:ext uri="{BB962C8B-B14F-4D97-AF65-F5344CB8AC3E}">
+        <p14:creationId xmlns:p14="http://schemas.microsoft.com/office/powerpoint/2010/main" val="243575922"/>
+      </p:ext>
+    </p:extLst>
+  </p:cSld>
+  <p:clrMapOvr>
+    <a:masterClrMapping/>
+  </p:clrMapOvr>
+</p:notes>
 </file>
 
 <file path=ppt/slideLayouts/slideLayout1.xml><?xml version="1.0" encoding="utf-8"?>
@@ -14270,6 +14367,36 @@
 </p:sld>
 </file>
 
+<file path=ppt/slides/slide10.xml><?xml version="1.0" encoding="utf-8"?>
+<p:sld xmlns:a="http://schemas.openxmlformats.org/drawingml/2006/main" xmlns:r="http://schemas.openxmlformats.org/officeDocument/2006/relationships" xmlns:p="http://schemas.openxmlformats.org/presentationml/2006/main">
+  <p:cSld>
+    <p:spTree>
+      <p:nvGrpSpPr>
+        <p:cNvPr id="1" name=""/>
+        <p:cNvGrpSpPr/>
+        <p:nvPr/>
+      </p:nvGrpSpPr>
+      <p:grpSpPr>
+        <a:xfrm>
+          <a:off x="0" y="0"/>
+          <a:ext cx="0" cy="0"/>
+          <a:chOff x="0" y="0"/>
+          <a:chExt cx="0" cy="0"/>
+        </a:xfrm>
+      </p:grpSpPr>
+    </p:spTree>
+    <p:extLst>
+      <p:ext uri="{BB962C8B-B14F-4D97-AF65-F5344CB8AC3E}">
+        <p14:creationId xmlns:p14="http://schemas.microsoft.com/office/powerpoint/2010/main" val="1282161965"/>
+      </p:ext>
+    </p:extLst>
+  </p:cSld>
+  <p:clrMapOvr>
+    <a:masterClrMapping/>
+  </p:clrMapOvr>
+</p:sld>
+</file>
+
 <file path=ppt/slides/slide2.xml><?xml version="1.0" encoding="utf-8"?>
 <p:sld xmlns:a="http://schemas.openxmlformats.org/drawingml/2006/main" xmlns:r="http://schemas.openxmlformats.org/officeDocument/2006/relationships" xmlns:p="http://schemas.openxmlformats.org/presentationml/2006/main">
   <p:cSld>
@@ -15050,7 +15177,7 @@
           <a:p>
             <a:r>
               <a:rPr lang="ru-RU" dirty="0"/>
-              <a:t>Разработка устройства</a:t>
+              <a:t>Разработка аппаратной части устройства</a:t>
             </a:r>
           </a:p>
         </p:txBody>
@@ -15142,522 +15269,12 @@
           </a:p>
         </p:txBody>
       </p:sp>
-      <p:sp>
-        <p:nvSpPr>
-          <p:cNvPr id="9" name="Rectangle: Rounded Corners 8">
-            <a:extLst>
-              <a:ext uri="{FF2B5EF4-FFF2-40B4-BE49-F238E27FC236}">
-                <a16:creationId xmlns:a16="http://schemas.microsoft.com/office/drawing/2014/main" id="{924EA096-8860-4C71-B967-0D3E0336E3A6}"/>
-              </a:ext>
-            </a:extLst>
-          </p:cNvPr>
-          <p:cNvSpPr/>
-          <p:nvPr/>
-        </p:nvSpPr>
-        <p:spPr>
-          <a:xfrm>
-            <a:off x="1800744" y="3935240"/>
-            <a:ext cx="1575302" cy="842682"/>
-          </a:xfrm>
-          <a:prstGeom prst="roundRect">
-            <a:avLst/>
-          </a:prstGeom>
-        </p:spPr>
-        <p:style>
-          <a:lnRef idx="2">
-            <a:schemeClr val="accent1">
-              <a:shade val="50000"/>
-            </a:schemeClr>
-          </a:lnRef>
-          <a:fillRef idx="1">
-            <a:schemeClr val="accent1"/>
-          </a:fillRef>
-          <a:effectRef idx="0">
-            <a:schemeClr val="accent1"/>
-          </a:effectRef>
-          <a:fontRef idx="minor">
-            <a:schemeClr val="lt1"/>
-          </a:fontRef>
-        </p:style>
-        <p:txBody>
-          <a:bodyPr rtlCol="0" anchor="ctr"/>
-          <a:lstStyle/>
-          <a:p>
-            <a:pPr algn="ctr"/>
-            <a:r>
-              <a:rPr lang="en-US" dirty="0"/>
-              <a:t>logic</a:t>
-            </a:r>
-            <a:endParaRPr lang="ru-RU" dirty="0"/>
-          </a:p>
-        </p:txBody>
-      </p:sp>
-      <p:sp>
-        <p:nvSpPr>
-          <p:cNvPr id="13" name="Rectangle: Rounded Corners 12">
-            <a:extLst>
-              <a:ext uri="{FF2B5EF4-FFF2-40B4-BE49-F238E27FC236}">
-                <a16:creationId xmlns:a16="http://schemas.microsoft.com/office/drawing/2014/main" id="{465F0F36-7649-47B4-9CF9-CAD269D45F4E}"/>
-              </a:ext>
-            </a:extLst>
-          </p:cNvPr>
-          <p:cNvSpPr/>
-          <p:nvPr/>
-        </p:nvSpPr>
-        <p:spPr>
-          <a:xfrm>
-            <a:off x="3203533" y="2294435"/>
-            <a:ext cx="1575302" cy="842682"/>
-          </a:xfrm>
-          <a:prstGeom prst="roundRect">
-            <a:avLst/>
-          </a:prstGeom>
-        </p:spPr>
-        <p:style>
-          <a:lnRef idx="2">
-            <a:schemeClr val="accent1">
-              <a:shade val="50000"/>
-            </a:schemeClr>
-          </a:lnRef>
-          <a:fillRef idx="1">
-            <a:schemeClr val="accent1"/>
-          </a:fillRef>
-          <a:effectRef idx="0">
-            <a:schemeClr val="accent1"/>
-          </a:effectRef>
-          <a:fontRef idx="minor">
-            <a:schemeClr val="lt1"/>
-          </a:fontRef>
-        </p:style>
-        <p:txBody>
-          <a:bodyPr rtlCol="0" anchor="ctr"/>
-          <a:lstStyle/>
-          <a:p>
-            <a:pPr algn="ctr"/>
-            <a:r>
-              <a:rPr lang="en-US" dirty="0" err="1"/>
-              <a:t>wifi</a:t>
-            </a:r>
-            <a:endParaRPr lang="ru-RU" dirty="0"/>
-          </a:p>
-        </p:txBody>
-      </p:sp>
-      <p:sp>
-        <p:nvSpPr>
-          <p:cNvPr id="14" name="Rectangle: Rounded Corners 13">
-            <a:extLst>
-              <a:ext uri="{FF2B5EF4-FFF2-40B4-BE49-F238E27FC236}">
-                <a16:creationId xmlns:a16="http://schemas.microsoft.com/office/drawing/2014/main" id="{00E5ED04-2603-41E9-9D68-0614A5ABBC60}"/>
-              </a:ext>
-            </a:extLst>
-          </p:cNvPr>
-          <p:cNvSpPr/>
-          <p:nvPr/>
-        </p:nvSpPr>
-        <p:spPr>
-          <a:xfrm>
-            <a:off x="4494213" y="3480354"/>
-            <a:ext cx="1575302" cy="842682"/>
-          </a:xfrm>
-          <a:prstGeom prst="roundRect">
-            <a:avLst/>
-          </a:prstGeom>
-        </p:spPr>
-        <p:style>
-          <a:lnRef idx="2">
-            <a:schemeClr val="accent1">
-              <a:shade val="50000"/>
-            </a:schemeClr>
-          </a:lnRef>
-          <a:fillRef idx="1">
-            <a:schemeClr val="accent1"/>
-          </a:fillRef>
-          <a:effectRef idx="0">
-            <a:schemeClr val="accent1"/>
-          </a:effectRef>
-          <a:fontRef idx="minor">
-            <a:schemeClr val="lt1"/>
-          </a:fontRef>
-        </p:style>
-        <p:txBody>
-          <a:bodyPr rtlCol="0" anchor="ctr"/>
-          <a:lstStyle/>
-          <a:p>
-            <a:pPr algn="ctr"/>
-            <a:r>
-              <a:rPr lang="en-US" dirty="0" err="1"/>
-              <a:t>ble</a:t>
-            </a:r>
-            <a:endParaRPr lang="ru-RU" dirty="0"/>
-          </a:p>
-        </p:txBody>
-      </p:sp>
-      <p:sp>
-        <p:nvSpPr>
-          <p:cNvPr id="16" name="Rectangle: Rounded Corners 15">
-            <a:extLst>
-              <a:ext uri="{FF2B5EF4-FFF2-40B4-BE49-F238E27FC236}">
-                <a16:creationId xmlns:a16="http://schemas.microsoft.com/office/drawing/2014/main" id="{CA41F94D-3B9B-40A8-B793-08AAF0F36A48}"/>
-              </a:ext>
-            </a:extLst>
-          </p:cNvPr>
-          <p:cNvSpPr/>
-          <p:nvPr/>
-        </p:nvSpPr>
-        <p:spPr>
-          <a:xfrm>
-            <a:off x="4157445" y="5105015"/>
-            <a:ext cx="1575302" cy="842682"/>
-          </a:xfrm>
-          <a:prstGeom prst="roundRect">
-            <a:avLst/>
-          </a:prstGeom>
-        </p:spPr>
-        <p:style>
-          <a:lnRef idx="2">
-            <a:schemeClr val="accent1">
-              <a:shade val="50000"/>
-            </a:schemeClr>
-          </a:lnRef>
-          <a:fillRef idx="1">
-            <a:schemeClr val="accent1"/>
-          </a:fillRef>
-          <a:effectRef idx="0">
-            <a:schemeClr val="accent1"/>
-          </a:effectRef>
-          <a:fontRef idx="minor">
-            <a:schemeClr val="lt1"/>
-          </a:fontRef>
-        </p:style>
-        <p:txBody>
-          <a:bodyPr rtlCol="0" anchor="ctr"/>
-          <a:lstStyle/>
-          <a:p>
-            <a:pPr algn="ctr"/>
-            <a:r>
-              <a:rPr lang="en-US" dirty="0"/>
-              <a:t>camera</a:t>
-            </a:r>
-            <a:endParaRPr lang="ru-RU" dirty="0"/>
-          </a:p>
-        </p:txBody>
-      </p:sp>
-      <p:sp>
-        <p:nvSpPr>
-          <p:cNvPr id="18" name="Rectangle: Rounded Corners 17">
-            <a:extLst>
-              <a:ext uri="{FF2B5EF4-FFF2-40B4-BE49-F238E27FC236}">
-                <a16:creationId xmlns:a16="http://schemas.microsoft.com/office/drawing/2014/main" id="{C33E634B-6E20-41B9-B3AD-4D6F75E8C18F}"/>
-              </a:ext>
-            </a:extLst>
-          </p:cNvPr>
-          <p:cNvSpPr/>
-          <p:nvPr/>
-        </p:nvSpPr>
-        <p:spPr>
-          <a:xfrm>
-            <a:off x="2106190" y="5576046"/>
-            <a:ext cx="1575302" cy="842682"/>
-          </a:xfrm>
-          <a:prstGeom prst="roundRect">
-            <a:avLst/>
-          </a:prstGeom>
-        </p:spPr>
-        <p:style>
-          <a:lnRef idx="2">
-            <a:schemeClr val="accent1">
-              <a:shade val="50000"/>
-            </a:schemeClr>
-          </a:lnRef>
-          <a:fillRef idx="1">
-            <a:schemeClr val="accent1"/>
-          </a:fillRef>
-          <a:effectRef idx="0">
-            <a:schemeClr val="accent1"/>
-          </a:effectRef>
-          <a:fontRef idx="minor">
-            <a:schemeClr val="lt1"/>
-          </a:fontRef>
-        </p:style>
-        <p:txBody>
-          <a:bodyPr rtlCol="0" anchor="ctr"/>
-          <a:lstStyle/>
-          <a:p>
-            <a:pPr algn="ctr"/>
-            <a:r>
-              <a:rPr lang="en-US" dirty="0"/>
-              <a:t>music</a:t>
-            </a:r>
-            <a:endParaRPr lang="ru-RU" dirty="0"/>
-          </a:p>
-        </p:txBody>
-      </p:sp>
-      <p:sp>
-        <p:nvSpPr>
-          <p:cNvPr id="19" name="Rectangle: Rounded Corners 18">
-            <a:extLst>
-              <a:ext uri="{FF2B5EF4-FFF2-40B4-BE49-F238E27FC236}">
-                <a16:creationId xmlns:a16="http://schemas.microsoft.com/office/drawing/2014/main" id="{47C1C210-8A07-48F3-9CFD-571041799D2A}"/>
-              </a:ext>
-            </a:extLst>
-          </p:cNvPr>
-          <p:cNvSpPr/>
-          <p:nvPr/>
-        </p:nvSpPr>
-        <p:spPr>
-          <a:xfrm>
-            <a:off x="1013093" y="2274904"/>
-            <a:ext cx="1575302" cy="842682"/>
-          </a:xfrm>
-          <a:prstGeom prst="roundRect">
-            <a:avLst/>
-          </a:prstGeom>
-        </p:spPr>
-        <p:style>
-          <a:lnRef idx="2">
-            <a:schemeClr val="accent1">
-              <a:shade val="50000"/>
-            </a:schemeClr>
-          </a:lnRef>
-          <a:fillRef idx="1">
-            <a:schemeClr val="accent1"/>
-          </a:fillRef>
-          <a:effectRef idx="0">
-            <a:schemeClr val="accent1"/>
-          </a:effectRef>
-          <a:fontRef idx="minor">
-            <a:schemeClr val="lt1"/>
-          </a:fontRef>
-        </p:style>
-        <p:txBody>
-          <a:bodyPr rtlCol="0" anchor="ctr"/>
-          <a:lstStyle/>
-          <a:p>
-            <a:pPr algn="ctr"/>
-            <a:r>
-              <a:rPr lang="en-US" dirty="0"/>
-              <a:t>http</a:t>
-            </a:r>
-            <a:endParaRPr lang="ru-RU" dirty="0"/>
-          </a:p>
-        </p:txBody>
-      </p:sp>
-      <p:cxnSp>
-        <p:nvCxnSpPr>
-          <p:cNvPr id="12" name="Straight Arrow Connector 11">
-            <a:extLst>
-              <a:ext uri="{FF2B5EF4-FFF2-40B4-BE49-F238E27FC236}">
-                <a16:creationId xmlns:a16="http://schemas.microsoft.com/office/drawing/2014/main" id="{60B48AA8-FF4F-4BBE-997A-7A385D32E2E8}"/>
-              </a:ext>
-            </a:extLst>
-          </p:cNvPr>
-          <p:cNvCxnSpPr>
-            <a:cxnSpLocks/>
-          </p:cNvCxnSpPr>
-          <p:nvPr/>
-        </p:nvCxnSpPr>
-        <p:spPr>
-          <a:xfrm>
-            <a:off x="1765015" y="3171241"/>
-            <a:ext cx="341175" cy="710343"/>
-          </a:xfrm>
-          <a:prstGeom prst="straightConnector1">
-            <a:avLst/>
-          </a:prstGeom>
-          <a:ln>
-            <a:headEnd type="triangle"/>
-            <a:tailEnd type="triangle"/>
-          </a:ln>
-        </p:spPr>
-        <p:style>
-          <a:lnRef idx="1">
-            <a:schemeClr val="accent1"/>
-          </a:lnRef>
-          <a:fillRef idx="0">
-            <a:schemeClr val="accent1"/>
-          </a:fillRef>
-          <a:effectRef idx="0">
-            <a:schemeClr val="accent1"/>
-          </a:effectRef>
-          <a:fontRef idx="minor">
-            <a:schemeClr val="tx1"/>
-          </a:fontRef>
-        </p:style>
-      </p:cxnSp>
-      <p:cxnSp>
-        <p:nvCxnSpPr>
-          <p:cNvPr id="21" name="Straight Arrow Connector 20">
-            <a:extLst>
-              <a:ext uri="{FF2B5EF4-FFF2-40B4-BE49-F238E27FC236}">
-                <a16:creationId xmlns:a16="http://schemas.microsoft.com/office/drawing/2014/main" id="{47C7A24F-5289-453D-BFFF-131CEA874958}"/>
-              </a:ext>
-            </a:extLst>
-          </p:cNvPr>
-          <p:cNvCxnSpPr>
-            <a:cxnSpLocks/>
-          </p:cNvCxnSpPr>
-          <p:nvPr/>
-        </p:nvCxnSpPr>
-        <p:spPr>
-          <a:xfrm flipH="1">
-            <a:off x="3227040" y="3203403"/>
-            <a:ext cx="156582" cy="678181"/>
-          </a:xfrm>
-          <a:prstGeom prst="straightConnector1">
-            <a:avLst/>
-          </a:prstGeom>
-          <a:ln>
-            <a:headEnd type="triangle"/>
-            <a:tailEnd type="triangle"/>
-          </a:ln>
-        </p:spPr>
-        <p:style>
-          <a:lnRef idx="1">
-            <a:schemeClr val="accent1"/>
-          </a:lnRef>
-          <a:fillRef idx="0">
-            <a:schemeClr val="accent1"/>
-          </a:fillRef>
-          <a:effectRef idx="0">
-            <a:schemeClr val="accent1"/>
-          </a:effectRef>
-          <a:fontRef idx="minor">
-            <a:schemeClr val="tx1"/>
-          </a:fontRef>
-        </p:style>
-      </p:cxnSp>
-      <p:cxnSp>
-        <p:nvCxnSpPr>
-          <p:cNvPr id="23" name="Straight Arrow Connector 22">
-            <a:extLst>
-              <a:ext uri="{FF2B5EF4-FFF2-40B4-BE49-F238E27FC236}">
-                <a16:creationId xmlns:a16="http://schemas.microsoft.com/office/drawing/2014/main" id="{ABDAE08B-24A9-4152-9216-E95493C12ECC}"/>
-              </a:ext>
-            </a:extLst>
-          </p:cNvPr>
-          <p:cNvCxnSpPr>
-            <a:cxnSpLocks/>
-          </p:cNvCxnSpPr>
-          <p:nvPr/>
-        </p:nvCxnSpPr>
-        <p:spPr>
-          <a:xfrm flipH="1">
-            <a:off x="3445869" y="3881584"/>
-            <a:ext cx="984238" cy="311129"/>
-          </a:xfrm>
-          <a:prstGeom prst="straightConnector1">
-            <a:avLst/>
-          </a:prstGeom>
-          <a:ln>
-            <a:headEnd type="triangle"/>
-            <a:tailEnd type="triangle"/>
-          </a:ln>
-        </p:spPr>
-        <p:style>
-          <a:lnRef idx="1">
-            <a:schemeClr val="accent1"/>
-          </a:lnRef>
-          <a:fillRef idx="0">
-            <a:schemeClr val="accent1"/>
-          </a:fillRef>
-          <a:effectRef idx="0">
-            <a:schemeClr val="accent1"/>
-          </a:effectRef>
-          <a:fontRef idx="minor">
-            <a:schemeClr val="tx1"/>
-          </a:fontRef>
-        </p:style>
-      </p:cxnSp>
-      <p:cxnSp>
-        <p:nvCxnSpPr>
-          <p:cNvPr id="26" name="Straight Arrow Connector 25">
-            <a:extLst>
-              <a:ext uri="{FF2B5EF4-FFF2-40B4-BE49-F238E27FC236}">
-                <a16:creationId xmlns:a16="http://schemas.microsoft.com/office/drawing/2014/main" id="{CB9CC674-8829-46BB-B64E-48E2BE82A174}"/>
-              </a:ext>
-            </a:extLst>
-          </p:cNvPr>
-          <p:cNvCxnSpPr>
-            <a:cxnSpLocks/>
-          </p:cNvCxnSpPr>
-          <p:nvPr/>
-        </p:nvCxnSpPr>
-        <p:spPr>
-          <a:xfrm flipH="1" flipV="1">
-            <a:off x="3420258" y="4663744"/>
-            <a:ext cx="664573" cy="441271"/>
-          </a:xfrm>
-          <a:prstGeom prst="straightConnector1">
-            <a:avLst/>
-          </a:prstGeom>
-          <a:ln>
-            <a:headEnd type="triangle"/>
-            <a:tailEnd type="triangle"/>
-          </a:ln>
-        </p:spPr>
-        <p:style>
-          <a:lnRef idx="1">
-            <a:schemeClr val="accent1"/>
-          </a:lnRef>
-          <a:fillRef idx="0">
-            <a:schemeClr val="accent1"/>
-          </a:fillRef>
-          <a:effectRef idx="0">
-            <a:schemeClr val="accent1"/>
-          </a:effectRef>
-          <a:fontRef idx="minor">
-            <a:schemeClr val="tx1"/>
-          </a:fontRef>
-        </p:style>
-      </p:cxnSp>
-      <p:cxnSp>
-        <p:nvCxnSpPr>
-          <p:cNvPr id="31" name="Straight Arrow Connector 30">
-            <a:extLst>
-              <a:ext uri="{FF2B5EF4-FFF2-40B4-BE49-F238E27FC236}">
-                <a16:creationId xmlns:a16="http://schemas.microsoft.com/office/drawing/2014/main" id="{262A9529-DC01-4179-9C02-21724D7F95BE}"/>
-              </a:ext>
-            </a:extLst>
-          </p:cNvPr>
-          <p:cNvCxnSpPr>
-            <a:cxnSpLocks/>
-          </p:cNvCxnSpPr>
-          <p:nvPr/>
-        </p:nvCxnSpPr>
-        <p:spPr>
-          <a:xfrm flipH="1" flipV="1">
-            <a:off x="2651795" y="4845143"/>
-            <a:ext cx="205739" cy="681213"/>
-          </a:xfrm>
-          <a:prstGeom prst="straightConnector1">
-            <a:avLst/>
-          </a:prstGeom>
-          <a:ln>
-            <a:headEnd type="triangle"/>
-            <a:tailEnd type="triangle"/>
-          </a:ln>
-        </p:spPr>
-        <p:style>
-          <a:lnRef idx="1">
-            <a:schemeClr val="accent1"/>
-          </a:lnRef>
-          <a:fillRef idx="0">
-            <a:schemeClr val="accent1"/>
-          </a:fillRef>
-          <a:effectRef idx="0">
-            <a:schemeClr val="accent1"/>
-          </a:effectRef>
-          <a:fontRef idx="minor">
-            <a:schemeClr val="tx1"/>
-          </a:fontRef>
-        </p:style>
-      </p:cxnSp>
       <p:pic>
         <p:nvPicPr>
-          <p:cNvPr id="1030" name="Picture 6">
-            <a:extLst>
-              <a:ext uri="{FF2B5EF4-FFF2-40B4-BE49-F238E27FC236}">
-                <a16:creationId xmlns:a16="http://schemas.microsoft.com/office/drawing/2014/main" id="{A86AD14E-7652-4FC5-83F9-F538012C72DB}"/>
+          <p:cNvPr id="2052" name="Picture 4" descr="Пищалка Ардуино - как подключить к Arduino активный и пассивный модуль">
+            <a:extLst>
+              <a:ext uri="{FF2B5EF4-FFF2-40B4-BE49-F238E27FC236}">
+                <a16:creationId xmlns:a16="http://schemas.microsoft.com/office/drawing/2014/main" id="{6AEA52BA-5C4B-4EC1-8BA6-53EBCDC3470F}"/>
               </a:ext>
             </a:extLst>
           </p:cNvPr>
@@ -15681,8 +15298,8 @@
         </p:blipFill>
         <p:spPr bwMode="auto">
           <a:xfrm>
-            <a:off x="6240633" y="2294435"/>
-            <a:ext cx="5613419" cy="2848810"/>
+            <a:off x="1066800" y="2715776"/>
+            <a:ext cx="4338918" cy="3073400"/>
           </a:xfrm>
           <a:prstGeom prst="rect">
             <a:avLst/>
@@ -15702,7 +15319,7 @@
     </p:spTree>
     <p:extLst>
       <p:ext uri="{BB962C8B-B14F-4D97-AF65-F5344CB8AC3E}">
-        <p14:creationId xmlns:p14="http://schemas.microsoft.com/office/powerpoint/2010/main" val="3148506494"/>
+        <p14:creationId xmlns:p14="http://schemas.microsoft.com/office/powerpoint/2010/main" val="2528605262"/>
       </p:ext>
     </p:extLst>
   </p:cSld>
@@ -15752,47 +15369,7 @@
           <a:p>
             <a:r>
               <a:rPr lang="ru-RU" dirty="0"/>
-              <a:t>Разработка </a:t>
-            </a:r>
-            <a:r>
-              <a:rPr lang="en-US" dirty="0"/>
-              <a:t>HTTP </a:t>
-            </a:r>
-            <a:r>
-              <a:rPr lang="ru-RU" dirty="0"/>
-              <a:t>сервера</a:t>
-            </a:r>
-          </a:p>
-        </p:txBody>
-      </p:sp>
-      <p:sp>
-        <p:nvSpPr>
-          <p:cNvPr id="4" name="Текст 3">
-            <a:extLst>
-              <a:ext uri="{FF2B5EF4-FFF2-40B4-BE49-F238E27FC236}">
-                <a16:creationId xmlns:a16="http://schemas.microsoft.com/office/drawing/2014/main" id="{53356540-7218-FF4B-B6BC-5BD291A372E2}"/>
-              </a:ext>
-            </a:extLst>
-          </p:cNvPr>
-          <p:cNvSpPr>
-            <a:spLocks noGrp="1"/>
-          </p:cNvSpPr>
-          <p:nvPr>
-            <p:ph type="body" sz="quarter" idx="12"/>
-          </p:nvPr>
-        </p:nvSpPr>
-        <p:spPr/>
-        <p:txBody>
-          <a:bodyPr/>
-          <a:lstStyle/>
-          <a:p>
-            <a:pPr marL="285750" indent="-285750">
-              <a:buFont typeface="Arial" panose="020B0604020202020204" pitchFamily="34" charset="0"/>
-              <a:buChar char="•"/>
-            </a:pPr>
-            <a:r>
-              <a:rPr lang="ru-RU" dirty="0"/>
-              <a:t>Для алгоритма сравнения поз в качестве ключевого параметра используется угол между векторами костей с эталонного изображения. Если угол превышает пороговое значение, то поза считается некорректной.</a:t>
+              <a:t>Разработка программной части устройства</a:t>
             </a:r>
           </a:p>
         </p:txBody>
@@ -15884,38 +15461,567 @@
           </a:p>
         </p:txBody>
       </p:sp>
+      <p:sp>
+        <p:nvSpPr>
+          <p:cNvPr id="9" name="Rectangle: Rounded Corners 8">
+            <a:extLst>
+              <a:ext uri="{FF2B5EF4-FFF2-40B4-BE49-F238E27FC236}">
+                <a16:creationId xmlns:a16="http://schemas.microsoft.com/office/drawing/2014/main" id="{924EA096-8860-4C71-B967-0D3E0336E3A6}"/>
+              </a:ext>
+            </a:extLst>
+          </p:cNvPr>
+          <p:cNvSpPr/>
+          <p:nvPr/>
+        </p:nvSpPr>
+        <p:spPr>
+          <a:xfrm>
+            <a:off x="1800744" y="3935240"/>
+            <a:ext cx="1575302" cy="842682"/>
+          </a:xfrm>
+          <a:prstGeom prst="roundRect">
+            <a:avLst/>
+          </a:prstGeom>
+        </p:spPr>
+        <p:style>
+          <a:lnRef idx="2">
+            <a:schemeClr val="accent1">
+              <a:shade val="50000"/>
+            </a:schemeClr>
+          </a:lnRef>
+          <a:fillRef idx="1">
+            <a:schemeClr val="accent1"/>
+          </a:fillRef>
+          <a:effectRef idx="0">
+            <a:schemeClr val="accent1"/>
+          </a:effectRef>
+          <a:fontRef idx="minor">
+            <a:schemeClr val="lt1"/>
+          </a:fontRef>
+        </p:style>
+        <p:txBody>
+          <a:bodyPr rtlCol="0" anchor="ctr"/>
+          <a:lstStyle/>
+          <a:p>
+            <a:pPr algn="ctr"/>
+            <a:r>
+              <a:rPr lang="en-US" dirty="0"/>
+              <a:t>logic</a:t>
+            </a:r>
+            <a:endParaRPr lang="ru-RU" dirty="0"/>
+          </a:p>
+        </p:txBody>
+      </p:sp>
+      <p:sp>
+        <p:nvSpPr>
+          <p:cNvPr id="13" name="Rectangle: Rounded Corners 12">
+            <a:extLst>
+              <a:ext uri="{FF2B5EF4-FFF2-40B4-BE49-F238E27FC236}">
+                <a16:creationId xmlns:a16="http://schemas.microsoft.com/office/drawing/2014/main" id="{465F0F36-7649-47B4-9CF9-CAD269D45F4E}"/>
+              </a:ext>
+            </a:extLst>
+          </p:cNvPr>
+          <p:cNvSpPr/>
+          <p:nvPr/>
+        </p:nvSpPr>
+        <p:spPr>
+          <a:xfrm>
+            <a:off x="3203533" y="2294435"/>
+            <a:ext cx="1575302" cy="842682"/>
+          </a:xfrm>
+          <a:prstGeom prst="roundRect">
+            <a:avLst/>
+          </a:prstGeom>
+        </p:spPr>
+        <p:style>
+          <a:lnRef idx="2">
+            <a:schemeClr val="accent1">
+              <a:shade val="50000"/>
+            </a:schemeClr>
+          </a:lnRef>
+          <a:fillRef idx="1">
+            <a:schemeClr val="accent1"/>
+          </a:fillRef>
+          <a:effectRef idx="0">
+            <a:schemeClr val="accent1"/>
+          </a:effectRef>
+          <a:fontRef idx="minor">
+            <a:schemeClr val="lt1"/>
+          </a:fontRef>
+        </p:style>
+        <p:txBody>
+          <a:bodyPr rtlCol="0" anchor="ctr"/>
+          <a:lstStyle/>
+          <a:p>
+            <a:pPr algn="ctr"/>
+            <a:r>
+              <a:rPr lang="en-US" dirty="0" err="1"/>
+              <a:t>wifi</a:t>
+            </a:r>
+            <a:endParaRPr lang="ru-RU" dirty="0"/>
+          </a:p>
+        </p:txBody>
+      </p:sp>
+      <p:sp>
+        <p:nvSpPr>
+          <p:cNvPr id="14" name="Rectangle: Rounded Corners 13">
+            <a:extLst>
+              <a:ext uri="{FF2B5EF4-FFF2-40B4-BE49-F238E27FC236}">
+                <a16:creationId xmlns:a16="http://schemas.microsoft.com/office/drawing/2014/main" id="{00E5ED04-2603-41E9-9D68-0614A5ABBC60}"/>
+              </a:ext>
+            </a:extLst>
+          </p:cNvPr>
+          <p:cNvSpPr/>
+          <p:nvPr/>
+        </p:nvSpPr>
+        <p:spPr>
+          <a:xfrm>
+            <a:off x="4494213" y="3480354"/>
+            <a:ext cx="1575302" cy="842682"/>
+          </a:xfrm>
+          <a:prstGeom prst="roundRect">
+            <a:avLst/>
+          </a:prstGeom>
+        </p:spPr>
+        <p:style>
+          <a:lnRef idx="2">
+            <a:schemeClr val="accent1">
+              <a:shade val="50000"/>
+            </a:schemeClr>
+          </a:lnRef>
+          <a:fillRef idx="1">
+            <a:schemeClr val="accent1"/>
+          </a:fillRef>
+          <a:effectRef idx="0">
+            <a:schemeClr val="accent1"/>
+          </a:effectRef>
+          <a:fontRef idx="minor">
+            <a:schemeClr val="lt1"/>
+          </a:fontRef>
+        </p:style>
+        <p:txBody>
+          <a:bodyPr rtlCol="0" anchor="ctr"/>
+          <a:lstStyle/>
+          <a:p>
+            <a:pPr algn="ctr"/>
+            <a:r>
+              <a:rPr lang="en-US" dirty="0" err="1"/>
+              <a:t>ble</a:t>
+            </a:r>
+            <a:endParaRPr lang="ru-RU" dirty="0"/>
+          </a:p>
+        </p:txBody>
+      </p:sp>
+      <p:sp>
+        <p:nvSpPr>
+          <p:cNvPr id="16" name="Rectangle: Rounded Corners 15">
+            <a:extLst>
+              <a:ext uri="{FF2B5EF4-FFF2-40B4-BE49-F238E27FC236}">
+                <a16:creationId xmlns:a16="http://schemas.microsoft.com/office/drawing/2014/main" id="{CA41F94D-3B9B-40A8-B793-08AAF0F36A48}"/>
+              </a:ext>
+            </a:extLst>
+          </p:cNvPr>
+          <p:cNvSpPr/>
+          <p:nvPr/>
+        </p:nvSpPr>
+        <p:spPr>
+          <a:xfrm>
+            <a:off x="4157445" y="5105015"/>
+            <a:ext cx="1575302" cy="842682"/>
+          </a:xfrm>
+          <a:prstGeom prst="roundRect">
+            <a:avLst/>
+          </a:prstGeom>
+        </p:spPr>
+        <p:style>
+          <a:lnRef idx="2">
+            <a:schemeClr val="accent1">
+              <a:shade val="50000"/>
+            </a:schemeClr>
+          </a:lnRef>
+          <a:fillRef idx="1">
+            <a:schemeClr val="accent1"/>
+          </a:fillRef>
+          <a:effectRef idx="0">
+            <a:schemeClr val="accent1"/>
+          </a:effectRef>
+          <a:fontRef idx="minor">
+            <a:schemeClr val="lt1"/>
+          </a:fontRef>
+        </p:style>
+        <p:txBody>
+          <a:bodyPr rtlCol="0" anchor="ctr"/>
+          <a:lstStyle/>
+          <a:p>
+            <a:pPr algn="ctr"/>
+            <a:r>
+              <a:rPr lang="en-US" dirty="0"/>
+              <a:t>camera</a:t>
+            </a:r>
+            <a:endParaRPr lang="ru-RU" dirty="0"/>
+          </a:p>
+        </p:txBody>
+      </p:sp>
+      <p:sp>
+        <p:nvSpPr>
+          <p:cNvPr id="18" name="Rectangle: Rounded Corners 17">
+            <a:extLst>
+              <a:ext uri="{FF2B5EF4-FFF2-40B4-BE49-F238E27FC236}">
+                <a16:creationId xmlns:a16="http://schemas.microsoft.com/office/drawing/2014/main" id="{C33E634B-6E20-41B9-B3AD-4D6F75E8C18F}"/>
+              </a:ext>
+            </a:extLst>
+          </p:cNvPr>
+          <p:cNvSpPr/>
+          <p:nvPr/>
+        </p:nvSpPr>
+        <p:spPr>
+          <a:xfrm>
+            <a:off x="2106190" y="5576046"/>
+            <a:ext cx="1575302" cy="842682"/>
+          </a:xfrm>
+          <a:prstGeom prst="roundRect">
+            <a:avLst/>
+          </a:prstGeom>
+        </p:spPr>
+        <p:style>
+          <a:lnRef idx="2">
+            <a:schemeClr val="accent1">
+              <a:shade val="50000"/>
+            </a:schemeClr>
+          </a:lnRef>
+          <a:fillRef idx="1">
+            <a:schemeClr val="accent1"/>
+          </a:fillRef>
+          <a:effectRef idx="0">
+            <a:schemeClr val="accent1"/>
+          </a:effectRef>
+          <a:fontRef idx="minor">
+            <a:schemeClr val="lt1"/>
+          </a:fontRef>
+        </p:style>
+        <p:txBody>
+          <a:bodyPr rtlCol="0" anchor="ctr"/>
+          <a:lstStyle/>
+          <a:p>
+            <a:pPr algn="ctr"/>
+            <a:r>
+              <a:rPr lang="en-US" dirty="0"/>
+              <a:t>music</a:t>
+            </a:r>
+            <a:endParaRPr lang="ru-RU" dirty="0"/>
+          </a:p>
+        </p:txBody>
+      </p:sp>
+      <p:sp>
+        <p:nvSpPr>
+          <p:cNvPr id="19" name="Rectangle: Rounded Corners 18">
+            <a:extLst>
+              <a:ext uri="{FF2B5EF4-FFF2-40B4-BE49-F238E27FC236}">
+                <a16:creationId xmlns:a16="http://schemas.microsoft.com/office/drawing/2014/main" id="{47C1C210-8A07-48F3-9CFD-571041799D2A}"/>
+              </a:ext>
+            </a:extLst>
+          </p:cNvPr>
+          <p:cNvSpPr/>
+          <p:nvPr/>
+        </p:nvSpPr>
+        <p:spPr>
+          <a:xfrm>
+            <a:off x="1013093" y="2274904"/>
+            <a:ext cx="1575302" cy="842682"/>
+          </a:xfrm>
+          <a:prstGeom prst="roundRect">
+            <a:avLst/>
+          </a:prstGeom>
+        </p:spPr>
+        <p:style>
+          <a:lnRef idx="2">
+            <a:schemeClr val="accent1">
+              <a:shade val="50000"/>
+            </a:schemeClr>
+          </a:lnRef>
+          <a:fillRef idx="1">
+            <a:schemeClr val="accent1"/>
+          </a:fillRef>
+          <a:effectRef idx="0">
+            <a:schemeClr val="accent1"/>
+          </a:effectRef>
+          <a:fontRef idx="minor">
+            <a:schemeClr val="lt1"/>
+          </a:fontRef>
+        </p:style>
+        <p:txBody>
+          <a:bodyPr rtlCol="0" anchor="ctr"/>
+          <a:lstStyle/>
+          <a:p>
+            <a:pPr algn="ctr"/>
+            <a:r>
+              <a:rPr lang="en-US" dirty="0"/>
+              <a:t>http</a:t>
+            </a:r>
+            <a:endParaRPr lang="ru-RU" dirty="0"/>
+          </a:p>
+        </p:txBody>
+      </p:sp>
+      <p:cxnSp>
+        <p:nvCxnSpPr>
+          <p:cNvPr id="12" name="Straight Arrow Connector 11">
+            <a:extLst>
+              <a:ext uri="{FF2B5EF4-FFF2-40B4-BE49-F238E27FC236}">
+                <a16:creationId xmlns:a16="http://schemas.microsoft.com/office/drawing/2014/main" id="{60B48AA8-FF4F-4BBE-997A-7A385D32E2E8}"/>
+              </a:ext>
+            </a:extLst>
+          </p:cNvPr>
+          <p:cNvCxnSpPr>
+            <a:cxnSpLocks/>
+          </p:cNvCxnSpPr>
+          <p:nvPr/>
+        </p:nvCxnSpPr>
+        <p:spPr>
+          <a:xfrm>
+            <a:off x="1765015" y="3171241"/>
+            <a:ext cx="341175" cy="710343"/>
+          </a:xfrm>
+          <a:prstGeom prst="straightConnector1">
+            <a:avLst/>
+          </a:prstGeom>
+          <a:ln>
+            <a:headEnd type="triangle"/>
+            <a:tailEnd type="triangle"/>
+          </a:ln>
+        </p:spPr>
+        <p:style>
+          <a:lnRef idx="1">
+            <a:schemeClr val="accent1"/>
+          </a:lnRef>
+          <a:fillRef idx="0">
+            <a:schemeClr val="accent1"/>
+          </a:fillRef>
+          <a:effectRef idx="0">
+            <a:schemeClr val="accent1"/>
+          </a:effectRef>
+          <a:fontRef idx="minor">
+            <a:schemeClr val="tx1"/>
+          </a:fontRef>
+        </p:style>
+      </p:cxnSp>
+      <p:cxnSp>
+        <p:nvCxnSpPr>
+          <p:cNvPr id="21" name="Straight Arrow Connector 20">
+            <a:extLst>
+              <a:ext uri="{FF2B5EF4-FFF2-40B4-BE49-F238E27FC236}">
+                <a16:creationId xmlns:a16="http://schemas.microsoft.com/office/drawing/2014/main" id="{47C7A24F-5289-453D-BFFF-131CEA874958}"/>
+              </a:ext>
+            </a:extLst>
+          </p:cNvPr>
+          <p:cNvCxnSpPr>
+            <a:cxnSpLocks/>
+          </p:cNvCxnSpPr>
+          <p:nvPr/>
+        </p:nvCxnSpPr>
+        <p:spPr>
+          <a:xfrm flipH="1">
+            <a:off x="3227040" y="3203403"/>
+            <a:ext cx="156582" cy="678181"/>
+          </a:xfrm>
+          <a:prstGeom prst="straightConnector1">
+            <a:avLst/>
+          </a:prstGeom>
+          <a:ln>
+            <a:headEnd type="triangle"/>
+            <a:tailEnd type="triangle"/>
+          </a:ln>
+        </p:spPr>
+        <p:style>
+          <a:lnRef idx="1">
+            <a:schemeClr val="accent1"/>
+          </a:lnRef>
+          <a:fillRef idx="0">
+            <a:schemeClr val="accent1"/>
+          </a:fillRef>
+          <a:effectRef idx="0">
+            <a:schemeClr val="accent1"/>
+          </a:effectRef>
+          <a:fontRef idx="minor">
+            <a:schemeClr val="tx1"/>
+          </a:fontRef>
+        </p:style>
+      </p:cxnSp>
+      <p:cxnSp>
+        <p:nvCxnSpPr>
+          <p:cNvPr id="23" name="Straight Arrow Connector 22">
+            <a:extLst>
+              <a:ext uri="{FF2B5EF4-FFF2-40B4-BE49-F238E27FC236}">
+                <a16:creationId xmlns:a16="http://schemas.microsoft.com/office/drawing/2014/main" id="{ABDAE08B-24A9-4152-9216-E95493C12ECC}"/>
+              </a:ext>
+            </a:extLst>
+          </p:cNvPr>
+          <p:cNvCxnSpPr>
+            <a:cxnSpLocks/>
+          </p:cNvCxnSpPr>
+          <p:nvPr/>
+        </p:nvCxnSpPr>
+        <p:spPr>
+          <a:xfrm flipH="1">
+            <a:off x="3445869" y="3881584"/>
+            <a:ext cx="984238" cy="311129"/>
+          </a:xfrm>
+          <a:prstGeom prst="straightConnector1">
+            <a:avLst/>
+          </a:prstGeom>
+          <a:ln>
+            <a:headEnd type="triangle"/>
+            <a:tailEnd type="triangle"/>
+          </a:ln>
+        </p:spPr>
+        <p:style>
+          <a:lnRef idx="1">
+            <a:schemeClr val="accent1"/>
+          </a:lnRef>
+          <a:fillRef idx="0">
+            <a:schemeClr val="accent1"/>
+          </a:fillRef>
+          <a:effectRef idx="0">
+            <a:schemeClr val="accent1"/>
+          </a:effectRef>
+          <a:fontRef idx="minor">
+            <a:schemeClr val="tx1"/>
+          </a:fontRef>
+        </p:style>
+      </p:cxnSp>
+      <p:cxnSp>
+        <p:nvCxnSpPr>
+          <p:cNvPr id="26" name="Straight Arrow Connector 25">
+            <a:extLst>
+              <a:ext uri="{FF2B5EF4-FFF2-40B4-BE49-F238E27FC236}">
+                <a16:creationId xmlns:a16="http://schemas.microsoft.com/office/drawing/2014/main" id="{CB9CC674-8829-46BB-B64E-48E2BE82A174}"/>
+              </a:ext>
+            </a:extLst>
+          </p:cNvPr>
+          <p:cNvCxnSpPr>
+            <a:cxnSpLocks/>
+          </p:cNvCxnSpPr>
+          <p:nvPr/>
+        </p:nvCxnSpPr>
+        <p:spPr>
+          <a:xfrm flipH="1" flipV="1">
+            <a:off x="3420258" y="4663744"/>
+            <a:ext cx="664573" cy="441271"/>
+          </a:xfrm>
+          <a:prstGeom prst="straightConnector1">
+            <a:avLst/>
+          </a:prstGeom>
+          <a:ln>
+            <a:headEnd type="triangle"/>
+            <a:tailEnd type="triangle"/>
+          </a:ln>
+        </p:spPr>
+        <p:style>
+          <a:lnRef idx="1">
+            <a:schemeClr val="accent1"/>
+          </a:lnRef>
+          <a:fillRef idx="0">
+            <a:schemeClr val="accent1"/>
+          </a:fillRef>
+          <a:effectRef idx="0">
+            <a:schemeClr val="accent1"/>
+          </a:effectRef>
+          <a:fontRef idx="minor">
+            <a:schemeClr val="tx1"/>
+          </a:fontRef>
+        </p:style>
+      </p:cxnSp>
+      <p:cxnSp>
+        <p:nvCxnSpPr>
+          <p:cNvPr id="31" name="Straight Arrow Connector 30">
+            <a:extLst>
+              <a:ext uri="{FF2B5EF4-FFF2-40B4-BE49-F238E27FC236}">
+                <a16:creationId xmlns:a16="http://schemas.microsoft.com/office/drawing/2014/main" id="{262A9529-DC01-4179-9C02-21724D7F95BE}"/>
+              </a:ext>
+            </a:extLst>
+          </p:cNvPr>
+          <p:cNvCxnSpPr>
+            <a:cxnSpLocks/>
+          </p:cNvCxnSpPr>
+          <p:nvPr/>
+        </p:nvCxnSpPr>
+        <p:spPr>
+          <a:xfrm flipH="1" flipV="1">
+            <a:off x="2651795" y="4845143"/>
+            <a:ext cx="205739" cy="681213"/>
+          </a:xfrm>
+          <a:prstGeom prst="straightConnector1">
+            <a:avLst/>
+          </a:prstGeom>
+          <a:ln>
+            <a:headEnd type="triangle"/>
+            <a:tailEnd type="triangle"/>
+          </a:ln>
+        </p:spPr>
+        <p:style>
+          <a:lnRef idx="1">
+            <a:schemeClr val="accent1"/>
+          </a:lnRef>
+          <a:fillRef idx="0">
+            <a:schemeClr val="accent1"/>
+          </a:fillRef>
+          <a:effectRef idx="0">
+            <a:schemeClr val="accent1"/>
+          </a:effectRef>
+          <a:fontRef idx="minor">
+            <a:schemeClr val="tx1"/>
+          </a:fontRef>
+        </p:style>
+      </p:cxnSp>
       <p:pic>
         <p:nvPicPr>
-          <p:cNvPr id="13" name="Picture Placeholder 12">
-            <a:extLst>
-              <a:ext uri="{FF2B5EF4-FFF2-40B4-BE49-F238E27FC236}">
-                <a16:creationId xmlns:a16="http://schemas.microsoft.com/office/drawing/2014/main" id="{E04FF392-869E-4613-93AF-F9A5801A3068}"/>
+          <p:cNvPr id="1030" name="Picture 6">
+            <a:extLst>
+              <a:ext uri="{FF2B5EF4-FFF2-40B4-BE49-F238E27FC236}">
+                <a16:creationId xmlns:a16="http://schemas.microsoft.com/office/drawing/2014/main" id="{A86AD14E-7652-4FC5-83F9-F538012C72DB}"/>
               </a:ext>
             </a:extLst>
           </p:cNvPr>
           <p:cNvPicPr>
-            <a:picLocks noGrp="1" noChangeAspect="1"/>
+            <a:picLocks noChangeAspect="1" noChangeArrowheads="1"/>
           </p:cNvPicPr>
-          <p:nvPr>
-            <p:ph type="pic" sz="quarter" idx="10"/>
-          </p:nvPr>
+          <p:nvPr/>
         </p:nvPicPr>
-        <p:blipFill rotWithShape="1">
-          <a:blip r:embed="rId2"/>
-          <a:srcRect l="27127" t="14406" r="27448" b="55954"/>
-          <a:stretch/>
+        <p:blipFill>
+          <a:blip r:embed="rId2">
+            <a:extLst>
+              <a:ext uri="{28A0092B-C50C-407E-A947-70E740481C1C}">
+                <a14:useLocalDpi xmlns:a14="http://schemas.microsoft.com/office/drawing/2010/main" val="0"/>
+              </a:ext>
+            </a:extLst>
+          </a:blip>
+          <a:srcRect/>
+          <a:stretch>
+            <a:fillRect/>
+          </a:stretch>
         </p:blipFill>
-        <p:spPr>
-          <a:xfrm>
-            <a:off x="7933764" y="3291868"/>
-            <a:ext cx="2277036" cy="1281954"/>
-          </a:xfrm>
+        <p:spPr bwMode="auto">
+          <a:xfrm>
+            <a:off x="6240633" y="2294435"/>
+            <a:ext cx="5613419" cy="2848810"/>
+          </a:xfrm>
+          <a:prstGeom prst="rect">
+            <a:avLst/>
+          </a:prstGeom>
+          <a:noFill/>
+          <a:extLst>
+            <a:ext uri="{909E8E84-426E-40DD-AFC4-6F175D3DCCD1}">
+              <a14:hiddenFill xmlns:a14="http://schemas.microsoft.com/office/drawing/2010/main">
+                <a:solidFill>
+                  <a:srgbClr val="FFFFFF"/>
+                </a:solidFill>
+              </a14:hiddenFill>
+            </a:ext>
+          </a:extLst>
         </p:spPr>
       </p:pic>
     </p:spTree>
     <p:extLst>
       <p:ext uri="{BB962C8B-B14F-4D97-AF65-F5344CB8AC3E}">
-        <p14:creationId xmlns:p14="http://schemas.microsoft.com/office/powerpoint/2010/main" val="1185211922"/>
+        <p14:creationId xmlns:p14="http://schemas.microsoft.com/office/powerpoint/2010/main" val="3148506494"/>
       </p:ext>
     </p:extLst>
   </p:cSld>
@@ -15969,11 +16075,11 @@
             </a:r>
             <a:r>
               <a:rPr lang="en-US" dirty="0"/>
-              <a:t>Android </a:t>
+              <a:t>HTTP </a:t>
             </a:r>
             <a:r>
               <a:rPr lang="ru-RU" dirty="0"/>
-              <a:t>приложения</a:t>
+              <a:t>сервера</a:t>
             </a:r>
           </a:p>
         </p:txBody>
@@ -16003,7 +16109,10 @@
               <a:buFont typeface="Arial" panose="020B0604020202020204" pitchFamily="34" charset="0"/>
               <a:buChar char="•"/>
             </a:pPr>
-            <a:endParaRPr lang="ru-RU" dirty="0"/>
+            <a:r>
+              <a:rPr lang="ru-RU" dirty="0"/>
+              <a:t>Для алгоритма сравнения поз в качестве ключевого параметра используется угол между векторами костей с эталонного изображения. Если угол превышает пороговое значение, то поза считается некорректной.</a:t>
+            </a:r>
           </a:p>
         </p:txBody>
       </p:sp>
@@ -16096,95 +16205,36 @@
       </p:sp>
       <p:pic>
         <p:nvPicPr>
-          <p:cNvPr id="13" name="Picture 12">
-            <a:extLst>
-              <a:ext uri="{FF2B5EF4-FFF2-40B4-BE49-F238E27FC236}">
-                <a16:creationId xmlns:a16="http://schemas.microsoft.com/office/drawing/2014/main" id="{FCE256B9-1199-4CA4-9008-42116749E45F}"/>
+          <p:cNvPr id="13" name="Picture Placeholder 12">
+            <a:extLst>
+              <a:ext uri="{FF2B5EF4-FFF2-40B4-BE49-F238E27FC236}">
+                <a16:creationId xmlns:a16="http://schemas.microsoft.com/office/drawing/2014/main" id="{E04FF392-869E-4613-93AF-F9A5801A3068}"/>
               </a:ext>
             </a:extLst>
           </p:cNvPr>
           <p:cNvPicPr>
-            <a:picLocks noChangeAspect="1"/>
+            <a:picLocks noGrp="1" noChangeAspect="1"/>
           </p:cNvPicPr>
-          <p:nvPr/>
+          <p:nvPr>
+            <p:ph type="pic" sz="quarter" idx="10"/>
+          </p:nvPr>
         </p:nvPicPr>
         <p:blipFill rotWithShape="1">
           <a:blip r:embed="rId2"/>
-          <a:srcRect t="3922"/>
+          <a:srcRect l="27127" t="14406" r="27448" b="55954"/>
           <a:stretch/>
         </p:blipFill>
         <p:spPr>
           <a:xfrm>
-            <a:off x="6167718" y="2070847"/>
-            <a:ext cx="1543050" cy="3294530"/>
-          </a:xfrm>
-          <a:prstGeom prst="rect">
-            <a:avLst/>
-          </a:prstGeom>
-        </p:spPr>
-      </p:pic>
-      <p:pic>
-        <p:nvPicPr>
-          <p:cNvPr id="16" name="Picture 15">
-            <a:extLst>
-              <a:ext uri="{FF2B5EF4-FFF2-40B4-BE49-F238E27FC236}">
-                <a16:creationId xmlns:a16="http://schemas.microsoft.com/office/drawing/2014/main" id="{EF57A756-2CD9-4E93-9FA0-6FC2C9CE2773}"/>
-              </a:ext>
-            </a:extLst>
-          </p:cNvPr>
-          <p:cNvPicPr>
-            <a:picLocks noChangeAspect="1"/>
-          </p:cNvPicPr>
-          <p:nvPr/>
-        </p:nvPicPr>
-        <p:blipFill rotWithShape="1">
-          <a:blip r:embed="rId3"/>
-          <a:srcRect t="3660"/>
-          <a:stretch/>
-        </p:blipFill>
-        <p:spPr>
-          <a:xfrm>
-            <a:off x="8020056" y="2070847"/>
-            <a:ext cx="1538863" cy="3294530"/>
-          </a:xfrm>
-          <a:prstGeom prst="rect">
-            <a:avLst/>
-          </a:prstGeom>
-        </p:spPr>
-      </p:pic>
-      <p:pic>
-        <p:nvPicPr>
-          <p:cNvPr id="19" name="Picture 18">
-            <a:extLst>
-              <a:ext uri="{FF2B5EF4-FFF2-40B4-BE49-F238E27FC236}">
-                <a16:creationId xmlns:a16="http://schemas.microsoft.com/office/drawing/2014/main" id="{4BAD46CF-D628-4CEF-B09C-A03CF59CB8E6}"/>
-              </a:ext>
-            </a:extLst>
-          </p:cNvPr>
-          <p:cNvPicPr>
-            <a:picLocks noChangeAspect="1"/>
-          </p:cNvPicPr>
-          <p:nvPr/>
-        </p:nvPicPr>
-        <p:blipFill rotWithShape="1">
-          <a:blip r:embed="rId4"/>
-          <a:srcRect t="3660"/>
-          <a:stretch/>
-        </p:blipFill>
-        <p:spPr>
-          <a:xfrm>
-            <a:off x="9868206" y="2070847"/>
-            <a:ext cx="1538863" cy="3294530"/>
-          </a:xfrm>
-          <a:prstGeom prst="rect">
-            <a:avLst/>
-          </a:prstGeom>
+            <a:off x="7933764" y="3291868"/>
+            <a:ext cx="2277036" cy="1281954"/>
+          </a:xfrm>
         </p:spPr>
       </p:pic>
     </p:spTree>
     <p:extLst>
       <p:ext uri="{BB962C8B-B14F-4D97-AF65-F5344CB8AC3E}">
-        <p14:creationId xmlns:p14="http://schemas.microsoft.com/office/powerpoint/2010/main" val="1552195313"/>
+        <p14:creationId xmlns:p14="http://schemas.microsoft.com/office/powerpoint/2010/main" val="1185211922"/>
       </p:ext>
     </p:extLst>
   </p:cSld>
@@ -16211,29 +16261,6 @@
           <a:chExt cx="0" cy="0"/>
         </a:xfrm>
       </p:grpSpPr>
-      <p:pic>
-        <p:nvPicPr>
-          <p:cNvPr id="11" name="Picture Placeholder 10">
-            <a:extLst>
-              <a:ext uri="{FF2B5EF4-FFF2-40B4-BE49-F238E27FC236}">
-                <a16:creationId xmlns:a16="http://schemas.microsoft.com/office/drawing/2014/main" id="{DA12CBBB-35ED-49C9-B271-B713E72FEA8D}"/>
-              </a:ext>
-            </a:extLst>
-          </p:cNvPr>
-          <p:cNvPicPr>
-            <a:picLocks noGrp="1" noChangeAspect="1"/>
-          </p:cNvPicPr>
-          <p:nvPr>
-            <p:ph type="pic" sz="quarter" idx="10"/>
-          </p:nvPr>
-        </p:nvPicPr>
-        <p:blipFill rotWithShape="1">
-          <a:blip r:embed="rId2"/>
-          <a:srcRect t="12461" b="12461"/>
-          <a:stretch/>
-        </p:blipFill>
-        <p:spPr/>
-      </p:pic>
       <p:sp>
         <p:nvSpPr>
           <p:cNvPr id="3" name="Заголовок 2">
@@ -16257,35 +16284,15 @@
           <a:p>
             <a:r>
               <a:rPr lang="ru-RU" dirty="0"/>
-              <a:t>Результаты</a:t>
-            </a:r>
-          </a:p>
-        </p:txBody>
-      </p:sp>
-      <p:sp>
-        <p:nvSpPr>
-          <p:cNvPr id="4" name="Текст 3">
-            <a:extLst>
-              <a:ext uri="{FF2B5EF4-FFF2-40B4-BE49-F238E27FC236}">
-                <a16:creationId xmlns:a16="http://schemas.microsoft.com/office/drawing/2014/main" id="{53356540-7218-FF4B-B6BC-5BD291A372E2}"/>
-              </a:ext>
-            </a:extLst>
-          </p:cNvPr>
-          <p:cNvSpPr>
-            <a:spLocks noGrp="1"/>
-          </p:cNvSpPr>
-          <p:nvPr>
-            <p:ph type="body" sz="quarter" idx="12"/>
-          </p:nvPr>
-        </p:nvSpPr>
-        <p:spPr/>
-        <p:txBody>
-          <a:bodyPr/>
-          <a:lstStyle/>
-          <a:p>
+              <a:t>Разработка </a:t>
+            </a:r>
+            <a:r>
+              <a:rPr lang="en-US" dirty="0"/>
+              <a:t>Android </a:t>
+            </a:r>
             <a:r>
               <a:rPr lang="ru-RU" dirty="0"/>
-              <a:t>В результате был получен прототип, демонстрирующий реализацию поставленных задач. Данное устройство в полном объёме выполняет заданные требования, что можно считать успешным решением.</a:t>
+              <a:t>приложения</a:t>
             </a:r>
           </a:p>
         </p:txBody>
@@ -16372,15 +16379,196 @@
           <a:p>
             <a:r>
               <a:rPr lang="ru-RU" dirty="0"/>
-              <a:t>Результаты</a:t>
+              <a:t>Описание решения задач</a:t>
             </a:r>
           </a:p>
         </p:txBody>
       </p:sp>
+      <p:pic>
+        <p:nvPicPr>
+          <p:cNvPr id="13" name="Picture 12">
+            <a:extLst>
+              <a:ext uri="{FF2B5EF4-FFF2-40B4-BE49-F238E27FC236}">
+                <a16:creationId xmlns:a16="http://schemas.microsoft.com/office/drawing/2014/main" id="{FCE256B9-1199-4CA4-9008-42116749E45F}"/>
+              </a:ext>
+            </a:extLst>
+          </p:cNvPr>
+          <p:cNvPicPr>
+            <a:picLocks noChangeAspect="1"/>
+          </p:cNvPicPr>
+          <p:nvPr/>
+        </p:nvPicPr>
+        <p:blipFill rotWithShape="1">
+          <a:blip r:embed="rId3"/>
+          <a:srcRect t="3922"/>
+          <a:stretch/>
+        </p:blipFill>
+        <p:spPr>
+          <a:xfrm>
+            <a:off x="6167718" y="2070847"/>
+            <a:ext cx="1543050" cy="3294530"/>
+          </a:xfrm>
+          <a:prstGeom prst="rect">
+            <a:avLst/>
+          </a:prstGeom>
+        </p:spPr>
+      </p:pic>
+      <p:pic>
+        <p:nvPicPr>
+          <p:cNvPr id="16" name="Picture 15">
+            <a:extLst>
+              <a:ext uri="{FF2B5EF4-FFF2-40B4-BE49-F238E27FC236}">
+                <a16:creationId xmlns:a16="http://schemas.microsoft.com/office/drawing/2014/main" id="{EF57A756-2CD9-4E93-9FA0-6FC2C9CE2773}"/>
+              </a:ext>
+            </a:extLst>
+          </p:cNvPr>
+          <p:cNvPicPr>
+            <a:picLocks noChangeAspect="1"/>
+          </p:cNvPicPr>
+          <p:nvPr/>
+        </p:nvPicPr>
+        <p:blipFill rotWithShape="1">
+          <a:blip r:embed="rId4"/>
+          <a:srcRect t="3660"/>
+          <a:stretch/>
+        </p:blipFill>
+        <p:spPr>
+          <a:xfrm>
+            <a:off x="8020056" y="2070847"/>
+            <a:ext cx="1538863" cy="3294530"/>
+          </a:xfrm>
+          <a:prstGeom prst="rect">
+            <a:avLst/>
+          </a:prstGeom>
+        </p:spPr>
+      </p:pic>
+      <p:pic>
+        <p:nvPicPr>
+          <p:cNvPr id="19" name="Picture 18">
+            <a:extLst>
+              <a:ext uri="{FF2B5EF4-FFF2-40B4-BE49-F238E27FC236}">
+                <a16:creationId xmlns:a16="http://schemas.microsoft.com/office/drawing/2014/main" id="{4BAD46CF-D628-4CEF-B09C-A03CF59CB8E6}"/>
+              </a:ext>
+            </a:extLst>
+          </p:cNvPr>
+          <p:cNvPicPr>
+            <a:picLocks noChangeAspect="1"/>
+          </p:cNvPicPr>
+          <p:nvPr/>
+        </p:nvPicPr>
+        <p:blipFill rotWithShape="1">
+          <a:blip r:embed="rId5"/>
+          <a:srcRect t="3660"/>
+          <a:stretch/>
+        </p:blipFill>
+        <p:spPr>
+          <a:xfrm>
+            <a:off x="9868206" y="2070847"/>
+            <a:ext cx="1538863" cy="3294530"/>
+          </a:xfrm>
+          <a:prstGeom prst="rect">
+            <a:avLst/>
+          </a:prstGeom>
+        </p:spPr>
+      </p:pic>
+      <p:pic>
+        <p:nvPicPr>
+          <p:cNvPr id="1026" name="Picture 2" descr="Get Started with Android Authentication Using Kotlin">
+            <a:extLst>
+              <a:ext uri="{FF2B5EF4-FFF2-40B4-BE49-F238E27FC236}">
+                <a16:creationId xmlns:a16="http://schemas.microsoft.com/office/drawing/2014/main" id="{321C1647-0B5F-4F2B-9895-5B5D9B36D761}"/>
+              </a:ext>
+            </a:extLst>
+          </p:cNvPr>
+          <p:cNvPicPr>
+            <a:picLocks noChangeAspect="1" noChangeArrowheads="1"/>
+          </p:cNvPicPr>
+          <p:nvPr/>
+        </p:nvPicPr>
+        <p:blipFill>
+          <a:blip r:embed="rId6">
+            <a:extLst>
+              <a:ext uri="{28A0092B-C50C-407E-A947-70E740481C1C}">
+                <a14:useLocalDpi xmlns:a14="http://schemas.microsoft.com/office/drawing/2010/main" val="0"/>
+              </a:ext>
+            </a:extLst>
+          </a:blip>
+          <a:srcRect/>
+          <a:stretch>
+            <a:fillRect/>
+          </a:stretch>
+        </p:blipFill>
+        <p:spPr bwMode="auto">
+          <a:xfrm>
+            <a:off x="615938" y="1977678"/>
+            <a:ext cx="2957326" cy="2655508"/>
+          </a:xfrm>
+          <a:prstGeom prst="rect">
+            <a:avLst/>
+          </a:prstGeom>
+          <a:noFill/>
+          <a:extLst>
+            <a:ext uri="{909E8E84-426E-40DD-AFC4-6F175D3DCCD1}">
+              <a14:hiddenFill xmlns:a14="http://schemas.microsoft.com/office/drawing/2010/main">
+                <a:solidFill>
+                  <a:srgbClr val="FFFFFF"/>
+                </a:solidFill>
+              </a14:hiddenFill>
+            </a:ext>
+          </a:extLst>
+        </p:spPr>
+      </p:pic>
+      <p:pic>
+        <p:nvPicPr>
+          <p:cNvPr id="1028" name="Picture 4">
+            <a:extLst>
+              <a:ext uri="{FF2B5EF4-FFF2-40B4-BE49-F238E27FC236}">
+                <a16:creationId xmlns:a16="http://schemas.microsoft.com/office/drawing/2014/main" id="{90D9C61B-81CD-49BA-B1BE-41AF556A7DB4}"/>
+              </a:ext>
+            </a:extLst>
+          </p:cNvPr>
+          <p:cNvPicPr>
+            <a:picLocks noChangeAspect="1" noChangeArrowheads="1"/>
+          </p:cNvPicPr>
+          <p:nvPr/>
+        </p:nvPicPr>
+        <p:blipFill>
+          <a:blip r:embed="rId7">
+            <a:extLst>
+              <a:ext uri="{28A0092B-C50C-407E-A947-70E740481C1C}">
+                <a14:useLocalDpi xmlns:a14="http://schemas.microsoft.com/office/drawing/2010/main" val="0"/>
+              </a:ext>
+            </a:extLst>
+          </a:blip>
+          <a:srcRect/>
+          <a:stretch>
+            <a:fillRect/>
+          </a:stretch>
+        </p:blipFill>
+        <p:spPr bwMode="auto">
+          <a:xfrm>
+            <a:off x="2616273" y="3236258"/>
+            <a:ext cx="3357282" cy="3357282"/>
+          </a:xfrm>
+          <a:prstGeom prst="rect">
+            <a:avLst/>
+          </a:prstGeom>
+          <a:noFill/>
+          <a:extLst>
+            <a:ext uri="{909E8E84-426E-40DD-AFC4-6F175D3DCCD1}">
+              <a14:hiddenFill xmlns:a14="http://schemas.microsoft.com/office/drawing/2010/main">
+                <a:solidFill>
+                  <a:srgbClr val="FFFFFF"/>
+                </a:solidFill>
+              </a14:hiddenFill>
+            </a:ext>
+          </a:extLst>
+        </p:spPr>
+      </p:pic>
     </p:spTree>
     <p:extLst>
       <p:ext uri="{BB962C8B-B14F-4D97-AF65-F5344CB8AC3E}">
-        <p14:creationId xmlns:p14="http://schemas.microsoft.com/office/powerpoint/2010/main" val="3501214864"/>
+        <p14:creationId xmlns:p14="http://schemas.microsoft.com/office/powerpoint/2010/main" val="1552195313"/>
       </p:ext>
     </p:extLst>
   </p:cSld>
@@ -16407,6 +16595,29 @@
           <a:chExt cx="0" cy="0"/>
         </a:xfrm>
       </p:grpSpPr>
+      <p:pic>
+        <p:nvPicPr>
+          <p:cNvPr id="11" name="Picture Placeholder 10">
+            <a:extLst>
+              <a:ext uri="{FF2B5EF4-FFF2-40B4-BE49-F238E27FC236}">
+                <a16:creationId xmlns:a16="http://schemas.microsoft.com/office/drawing/2014/main" id="{DA12CBBB-35ED-49C9-B271-B713E72FEA8D}"/>
+              </a:ext>
+            </a:extLst>
+          </p:cNvPr>
+          <p:cNvPicPr>
+            <a:picLocks noGrp="1" noChangeAspect="1"/>
+          </p:cNvPicPr>
+          <p:nvPr>
+            <p:ph type="pic" sz="quarter" idx="10"/>
+          </p:nvPr>
+        </p:nvPicPr>
+        <p:blipFill rotWithShape="1">
+          <a:blip r:embed="rId2"/>
+          <a:srcRect t="12461" b="12461"/>
+          <a:stretch/>
+        </p:blipFill>
+        <p:spPr/>
+      </p:pic>
       <p:sp>
         <p:nvSpPr>
           <p:cNvPr id="3" name="Заголовок 2">
@@ -16430,7 +16641,7 @@
           <a:p>
             <a:r>
               <a:rPr lang="ru-RU" dirty="0"/>
-              <a:t>Выводы</a:t>
+              <a:t>Результаты</a:t>
             </a:r>
           </a:p>
         </p:txBody>
@@ -16456,58 +16667,9 @@
           <a:bodyPr/>
           <a:lstStyle/>
           <a:p>
-            <a:pPr marL="285750" indent="-285750">
-              <a:buFont typeface="Arial" panose="020B0604020202020204" pitchFamily="34" charset="0"/>
-              <a:buChar char="•"/>
-            </a:pPr>
             <a:r>
               <a:rPr lang="ru-RU" dirty="0"/>
-              <a:t>Современные инструменты создания </a:t>
-            </a:r>
-            <a:r>
-              <a:rPr lang="en-US" dirty="0"/>
-              <a:t>Android </a:t>
-            </a:r>
-            <a:r>
-              <a:rPr lang="ru-RU" dirty="0"/>
-              <a:t>приложений позволяют без применения особых знаний создавать достаточно функциональные приложения.</a:t>
-            </a:r>
-            <a:endParaRPr lang="en-US" dirty="0"/>
-          </a:p>
-          <a:p>
-            <a:pPr marL="285750" indent="-285750">
-              <a:buFont typeface="Arial" panose="020B0604020202020204" pitchFamily="34" charset="0"/>
-              <a:buChar char="•"/>
-            </a:pPr>
-            <a:r>
-              <a:rPr lang="ru-RU" dirty="0"/>
-              <a:t>Современные инструменты и библиотеки (</a:t>
-            </a:r>
-            <a:r>
-              <a:rPr lang="en-US" dirty="0" err="1"/>
-              <a:t>tensorflow</a:t>
-            </a:r>
-            <a:r>
-              <a:rPr lang="ru-RU" dirty="0"/>
-              <a:t>) позволяют точно определять позы человека в реальном времени, что открывает широкие возможности для</a:t>
-            </a:r>
-            <a:r>
-              <a:rPr lang="en-US" dirty="0"/>
-              <a:t> </a:t>
-            </a:r>
-            <a:r>
-              <a:rPr lang="ru-RU" dirty="0"/>
-              <a:t>решения подобных задач.</a:t>
-            </a:r>
-          </a:p>
-          <a:p>
-            <a:pPr marL="285750" indent="-285750">
-              <a:buFont typeface="Arial" panose="020B0604020202020204" pitchFamily="34" charset="0"/>
-              <a:buChar char="•"/>
-            </a:pPr>
-            <a:r>
-              <a:rPr lang="ru-RU" dirty="0"/>
-              <a:t>Создание устройства и сопутствующего ПО требует комплексного подхода: от проектирования аппаратной части до написания программного обеспечения, обеспечивающего корректное взаимодействие между компонентами</a:t>
+              <a:t>В результате был получен прототип, демонстрирующий реализацию поставленных задач. Данное устройство в полном объёме выполняет заданные требования, что можно считать успешным решением.</a:t>
             </a:r>
           </a:p>
         </p:txBody>
@@ -16594,62 +16756,15 @@
           <a:p>
             <a:r>
               <a:rPr lang="ru-RU" dirty="0"/>
-              <a:t>Выводы</a:t>
+              <a:t>Результаты</a:t>
             </a:r>
           </a:p>
         </p:txBody>
       </p:sp>
-      <p:pic>
-        <p:nvPicPr>
-          <p:cNvPr id="2054" name="Picture 6" descr="Picture background">
-            <a:extLst>
-              <a:ext uri="{FF2B5EF4-FFF2-40B4-BE49-F238E27FC236}">
-                <a16:creationId xmlns:a16="http://schemas.microsoft.com/office/drawing/2014/main" id="{A5A231FB-89FE-4697-96BF-D9806BA3E830}"/>
-              </a:ext>
-            </a:extLst>
-          </p:cNvPr>
-          <p:cNvPicPr>
-            <a:picLocks noGrp="1" noChangeAspect="1" noChangeArrowheads="1"/>
-          </p:cNvPicPr>
-          <p:nvPr>
-            <p:ph type="pic" sz="quarter" idx="10"/>
-          </p:nvPr>
-        </p:nvPicPr>
-        <p:blipFill rotWithShape="1">
-          <a:blip r:embed="rId2">
-            <a:extLst>
-              <a:ext uri="{28A0092B-C50C-407E-A947-70E740481C1C}">
-                <a14:useLocalDpi xmlns:a14="http://schemas.microsoft.com/office/drawing/2010/main" val="0"/>
-              </a:ext>
-            </a:extLst>
-          </a:blip>
-          <a:srcRect l="5135" r="6302"/>
-          <a:stretch/>
-        </p:blipFill>
-        <p:spPr bwMode="auto">
-          <a:xfrm>
-            <a:off x="6259893" y="1447790"/>
-            <a:ext cx="5107354" cy="4325107"/>
-          </a:xfrm>
-          <a:prstGeom prst="rect">
-            <a:avLst/>
-          </a:prstGeom>
-          <a:noFill/>
-          <a:extLst>
-            <a:ext uri="{909E8E84-426E-40DD-AFC4-6F175D3DCCD1}">
-              <a14:hiddenFill xmlns:a14="http://schemas.microsoft.com/office/drawing/2010/main">
-                <a:solidFill>
-                  <a:srgbClr val="FFFFFF"/>
-                </a:solidFill>
-              </a14:hiddenFill>
-            </a:ext>
-          </a:extLst>
-        </p:spPr>
-      </p:pic>
     </p:spTree>
     <p:extLst>
       <p:ext uri="{BB962C8B-B14F-4D97-AF65-F5344CB8AC3E}">
-        <p14:creationId xmlns:p14="http://schemas.microsoft.com/office/powerpoint/2010/main" val="2619694866"/>
+        <p14:creationId xmlns:p14="http://schemas.microsoft.com/office/powerpoint/2010/main" val="3501214864"/>
       </p:ext>
     </p:extLst>
   </p:cSld>
@@ -16676,10 +16791,250 @@
           <a:chExt cx="0" cy="0"/>
         </a:xfrm>
       </p:grpSpPr>
+      <p:sp>
+        <p:nvSpPr>
+          <p:cNvPr id="3" name="Заголовок 2">
+            <a:extLst>
+              <a:ext uri="{FF2B5EF4-FFF2-40B4-BE49-F238E27FC236}">
+                <a16:creationId xmlns:a16="http://schemas.microsoft.com/office/drawing/2014/main" id="{E2EAF03B-EC26-1D47-94AC-C75942861D6C}"/>
+              </a:ext>
+            </a:extLst>
+          </p:cNvPr>
+          <p:cNvSpPr>
+            <a:spLocks noGrp="1"/>
+          </p:cNvSpPr>
+          <p:nvPr>
+            <p:ph type="title"/>
+          </p:nvPr>
+        </p:nvSpPr>
+        <p:spPr/>
+        <p:txBody>
+          <a:bodyPr/>
+          <a:lstStyle/>
+          <a:p>
+            <a:r>
+              <a:rPr lang="ru-RU" dirty="0"/>
+              <a:t>Выводы</a:t>
+            </a:r>
+          </a:p>
+        </p:txBody>
+      </p:sp>
+      <p:sp>
+        <p:nvSpPr>
+          <p:cNvPr id="4" name="Текст 3">
+            <a:extLst>
+              <a:ext uri="{FF2B5EF4-FFF2-40B4-BE49-F238E27FC236}">
+                <a16:creationId xmlns:a16="http://schemas.microsoft.com/office/drawing/2014/main" id="{53356540-7218-FF4B-B6BC-5BD291A372E2}"/>
+              </a:ext>
+            </a:extLst>
+          </p:cNvPr>
+          <p:cNvSpPr>
+            <a:spLocks noGrp="1"/>
+          </p:cNvSpPr>
+          <p:nvPr>
+            <p:ph type="body" sz="quarter" idx="12"/>
+          </p:nvPr>
+        </p:nvSpPr>
+        <p:spPr/>
+        <p:txBody>
+          <a:bodyPr/>
+          <a:lstStyle/>
+          <a:p>
+            <a:pPr marL="285750" indent="-285750">
+              <a:buFont typeface="Arial" panose="020B0604020202020204" pitchFamily="34" charset="0"/>
+              <a:buChar char="•"/>
+            </a:pPr>
+            <a:r>
+              <a:rPr lang="ru-RU" dirty="0"/>
+              <a:t>Создание устройства и сопутствующего ПО требует комплексного подхода: от проектирования аппаратной части до написания программного обеспечения, обеспечивающего корректное взаимодействие между компонентами</a:t>
+            </a:r>
+          </a:p>
+          <a:p>
+            <a:pPr marL="285750" indent="-285750">
+              <a:buFont typeface="Arial" panose="020B0604020202020204" pitchFamily="34" charset="0"/>
+              <a:buChar char="•"/>
+            </a:pPr>
+            <a:r>
+              <a:rPr lang="ru-RU" dirty="0"/>
+              <a:t>Современные инструменты и библиотеки (</a:t>
+            </a:r>
+            <a:r>
+              <a:rPr lang="en-US" dirty="0" err="1"/>
+              <a:t>tensorflow</a:t>
+            </a:r>
+            <a:r>
+              <a:rPr lang="ru-RU" dirty="0"/>
+              <a:t>) позволяют точно определять позы человека в реальном времени, что открывает широкие возможности для</a:t>
+            </a:r>
+            <a:r>
+              <a:rPr lang="en-US" dirty="0"/>
+              <a:t> </a:t>
+            </a:r>
+            <a:r>
+              <a:rPr lang="ru-RU"/>
+              <a:t>решения подобных задач.</a:t>
+            </a:r>
+            <a:endParaRPr lang="ru-RU" dirty="0"/>
+          </a:p>
+          <a:p>
+            <a:pPr marL="285750" indent="-285750">
+              <a:buFont typeface="Arial" panose="020B0604020202020204" pitchFamily="34" charset="0"/>
+              <a:buChar char="•"/>
+            </a:pPr>
+            <a:r>
+              <a:rPr lang="ru-RU" dirty="0"/>
+              <a:t>Современные инструменты создания </a:t>
+            </a:r>
+            <a:r>
+              <a:rPr lang="en-US" dirty="0"/>
+              <a:t>Android </a:t>
+            </a:r>
+            <a:r>
+              <a:rPr lang="ru-RU" dirty="0"/>
+              <a:t>приложений позволяют без применения особых знаний создавать достаточно функциональные приложения.</a:t>
+            </a:r>
+            <a:endParaRPr lang="en-US" dirty="0"/>
+          </a:p>
+        </p:txBody>
+      </p:sp>
+      <p:sp>
+        <p:nvSpPr>
+          <p:cNvPr id="5" name="Текст 4">
+            <a:extLst>
+              <a:ext uri="{FF2B5EF4-FFF2-40B4-BE49-F238E27FC236}">
+                <a16:creationId xmlns:a16="http://schemas.microsoft.com/office/drawing/2014/main" id="{3EB29DC1-D5D4-FB41-9E2D-AA4750D0CC8B}"/>
+              </a:ext>
+            </a:extLst>
+          </p:cNvPr>
+          <p:cNvSpPr>
+            <a:spLocks noGrp="1"/>
+          </p:cNvSpPr>
+          <p:nvPr>
+            <p:ph type="body" sz="quarter" idx="13"/>
+          </p:nvPr>
+        </p:nvSpPr>
+        <p:spPr/>
+        <p:txBody>
+          <a:bodyPr/>
+          <a:lstStyle/>
+          <a:p>
+            <a:r>
+              <a:rPr lang="ru-RU" dirty="0"/>
+              <a:t>Департамент компьютерной инженерии</a:t>
+            </a:r>
+          </a:p>
+          <a:p>
+            <a:endParaRPr lang="ru-RU" dirty="0"/>
+          </a:p>
+        </p:txBody>
+      </p:sp>
+      <p:sp>
+        <p:nvSpPr>
+          <p:cNvPr id="6" name="Текст 5">
+            <a:extLst>
+              <a:ext uri="{FF2B5EF4-FFF2-40B4-BE49-F238E27FC236}">
+                <a16:creationId xmlns:a16="http://schemas.microsoft.com/office/drawing/2014/main" id="{B5B6DD1A-BEFA-D842-9B7A-78D7BD1A5259}"/>
+              </a:ext>
+            </a:extLst>
+          </p:cNvPr>
+          <p:cNvSpPr>
+            <a:spLocks noGrp="1"/>
+          </p:cNvSpPr>
+          <p:nvPr>
+            <p:ph type="body" sz="quarter" idx="14"/>
+          </p:nvPr>
+        </p:nvSpPr>
+        <p:spPr/>
+        <p:txBody>
+          <a:bodyPr/>
+          <a:lstStyle/>
+          <a:p>
+            <a:r>
+              <a:rPr lang="ru-RU" dirty="0"/>
+              <a:t>Будильник с технологией распознавания позы человека</a:t>
+            </a:r>
+          </a:p>
+        </p:txBody>
+      </p:sp>
+      <p:sp>
+        <p:nvSpPr>
+          <p:cNvPr id="7" name="Текст 6">
+            <a:extLst>
+              <a:ext uri="{FF2B5EF4-FFF2-40B4-BE49-F238E27FC236}">
+                <a16:creationId xmlns:a16="http://schemas.microsoft.com/office/drawing/2014/main" id="{88968744-3B75-9B47-92FD-77E1E725F232}"/>
+              </a:ext>
+            </a:extLst>
+          </p:cNvPr>
+          <p:cNvSpPr>
+            <a:spLocks noGrp="1"/>
+          </p:cNvSpPr>
+          <p:nvPr>
+            <p:ph type="body" sz="quarter" idx="15"/>
+          </p:nvPr>
+        </p:nvSpPr>
+        <p:spPr/>
+        <p:txBody>
+          <a:bodyPr/>
+          <a:lstStyle/>
+          <a:p>
+            <a:r>
+              <a:rPr lang="ru-RU" dirty="0"/>
+              <a:t>Выводы</a:t>
+            </a:r>
+          </a:p>
+        </p:txBody>
+      </p:sp>
+      <p:pic>
+        <p:nvPicPr>
+          <p:cNvPr id="2054" name="Picture 6" descr="Picture background">
+            <a:extLst>
+              <a:ext uri="{FF2B5EF4-FFF2-40B4-BE49-F238E27FC236}">
+                <a16:creationId xmlns:a16="http://schemas.microsoft.com/office/drawing/2014/main" id="{A5A231FB-89FE-4697-96BF-D9806BA3E830}"/>
+              </a:ext>
+            </a:extLst>
+          </p:cNvPr>
+          <p:cNvPicPr>
+            <a:picLocks noGrp="1" noChangeAspect="1" noChangeArrowheads="1"/>
+          </p:cNvPicPr>
+          <p:nvPr>
+            <p:ph type="pic" sz="quarter" idx="10"/>
+          </p:nvPr>
+        </p:nvPicPr>
+        <p:blipFill rotWithShape="1">
+          <a:blip r:embed="rId2">
+            <a:extLst>
+              <a:ext uri="{28A0092B-C50C-407E-A947-70E740481C1C}">
+                <a14:useLocalDpi xmlns:a14="http://schemas.microsoft.com/office/drawing/2010/main" val="0"/>
+              </a:ext>
+            </a:extLst>
+          </a:blip>
+          <a:srcRect l="5135" r="6302"/>
+          <a:stretch/>
+        </p:blipFill>
+        <p:spPr bwMode="auto">
+          <a:xfrm>
+            <a:off x="6259893" y="1447790"/>
+            <a:ext cx="5107354" cy="4325107"/>
+          </a:xfrm>
+          <a:prstGeom prst="rect">
+            <a:avLst/>
+          </a:prstGeom>
+          <a:noFill/>
+          <a:extLst>
+            <a:ext uri="{909E8E84-426E-40DD-AFC4-6F175D3DCCD1}">
+              <a14:hiddenFill xmlns:a14="http://schemas.microsoft.com/office/drawing/2010/main">
+                <a:solidFill>
+                  <a:srgbClr val="FFFFFF"/>
+                </a:solidFill>
+              </a14:hiddenFill>
+            </a:ext>
+          </a:extLst>
+        </p:spPr>
+      </p:pic>
     </p:spTree>
     <p:extLst>
       <p:ext uri="{BB962C8B-B14F-4D97-AF65-F5344CB8AC3E}">
-        <p14:creationId xmlns:p14="http://schemas.microsoft.com/office/powerpoint/2010/main" val="1282161965"/>
+        <p14:creationId xmlns:p14="http://schemas.microsoft.com/office/powerpoint/2010/main" val="2619694866"/>
       </p:ext>
     </p:extLst>
   </p:cSld>
@@ -17296,21 +17651,6 @@
 </file>
 
 <file path=customXml/item1.xml><?xml version="1.0" encoding="utf-8"?>
-<p:properties xmlns:p="http://schemas.microsoft.com/office/2006/metadata/properties" xmlns:xsi="http://www.w3.org/2001/XMLSchema-instance" xmlns:pc="http://schemas.microsoft.com/office/infopath/2007/PartnerControls">
-  <documentManagement/>
-</p:properties>
-</file>
-
-<file path=customXml/item2.xml><?xml version="1.0" encoding="utf-8"?>
-<?mso-contentType ?>
-<FormTemplates xmlns="http://schemas.microsoft.com/sharepoint/v3/contenttype/forms">
-  <Display>DocumentLibraryForm</Display>
-  <Edit>DocumentLibraryForm</Edit>
-  <New>DocumentLibraryForm</New>
-</FormTemplates>
-</file>
-
-<file path=customXml/item3.xml><?xml version="1.0" encoding="utf-8"?>
 <ct:contentTypeSchema xmlns:ct="http://schemas.microsoft.com/office/2006/metadata/contentType" xmlns:ma="http://schemas.microsoft.com/office/2006/metadata/properties/metaAttributes" ct:_="" ma:_="" ma:contentTypeName="Документ" ma:contentTypeID="0x0101002A9C74E6E830D74E9B0FDDB4017A5417" ma:contentTypeVersion="13" ma:contentTypeDescription="Создание документа." ma:contentTypeScope="" ma:versionID="d4e423622451d608a8a05f4da7a1e1a2">
   <xsd:schema xmlns:xsd="http://www.w3.org/2001/XMLSchema" xmlns:xs="http://www.w3.org/2001/XMLSchema" xmlns:p="http://schemas.microsoft.com/office/2006/metadata/properties" xmlns:ns2="9875bd71-cde8-496c-a136-433f55d5e6d0" xmlns:ns3="e96afe77-3acb-4328-97fc-408e1bde3ecd" targetNamespace="http://schemas.microsoft.com/office/2006/metadata/properties" ma:root="true" ma:fieldsID="4831203c63c08b9f52ea6d3ee0d7a96e" ns2:_="" ns3:_="">
     <xsd:import namespace="9875bd71-cde8-496c-a136-433f55d5e6d0"/>
@@ -17533,32 +17873,22 @@
 </ct:contentTypeSchema>
 </file>
 
-<file path=customXml/itemProps1.xml><?xml version="1.0" encoding="utf-8"?>
-<ds:datastoreItem xmlns:ds="http://schemas.openxmlformats.org/officeDocument/2006/customXml" ds:itemID="{433DAF31-D8A6-49A0-9A5D-8B2EA5B1C511}">
-  <ds:schemaRefs>
-    <ds:schemaRef ds:uri="http://purl.org/dc/elements/1.1/"/>
-    <ds:schemaRef ds:uri="http://schemas.microsoft.com/office/2006/documentManagement/types"/>
-    <ds:schemaRef ds:uri="http://schemas.microsoft.com/office/infopath/2007/PartnerControls"/>
-    <ds:schemaRef ds:uri="http://purl.org/dc/dcmitype/"/>
-    <ds:schemaRef ds:uri="e96afe77-3acb-4328-97fc-408e1bde3ecd"/>
-    <ds:schemaRef ds:uri="http://schemas.microsoft.com/office/2006/metadata/properties"/>
-    <ds:schemaRef ds:uri="http://purl.org/dc/terms/"/>
-    <ds:schemaRef ds:uri="http://www.w3.org/XML/1998/namespace"/>
-    <ds:schemaRef ds:uri="http://schemas.openxmlformats.org/package/2006/metadata/core-properties"/>
-    <ds:schemaRef ds:uri="9875bd71-cde8-496c-a136-433f55d5e6d0"/>
-  </ds:schemaRefs>
-</ds:datastoreItem>
+<file path=customXml/item2.xml><?xml version="1.0" encoding="utf-8"?>
+<?mso-contentType ?>
+<FormTemplates xmlns="http://schemas.microsoft.com/sharepoint/v3/contenttype/forms">
+  <Display>DocumentLibraryForm</Display>
+  <Edit>DocumentLibraryForm</Edit>
+  <New>DocumentLibraryForm</New>
+</FormTemplates>
 </file>
 
-<file path=customXml/itemProps2.xml><?xml version="1.0" encoding="utf-8"?>
-<ds:datastoreItem xmlns:ds="http://schemas.openxmlformats.org/officeDocument/2006/customXml" ds:itemID="{B34386AA-1848-4C75-B336-1053927CB025}">
-  <ds:schemaRefs>
-    <ds:schemaRef ds:uri="http://schemas.microsoft.com/sharepoint/v3/contenttype/forms"/>
-  </ds:schemaRefs>
-</ds:datastoreItem>
+<file path=customXml/item3.xml><?xml version="1.0" encoding="utf-8"?>
+<p:properties xmlns:p="http://schemas.microsoft.com/office/2006/metadata/properties" xmlns:xsi="http://www.w3.org/2001/XMLSchema-instance" xmlns:pc="http://schemas.microsoft.com/office/infopath/2007/PartnerControls">
+  <documentManagement/>
+</p:properties>
 </file>
 
-<file path=customXml/itemProps3.xml><?xml version="1.0" encoding="utf-8"?>
+<file path=customXml/itemProps1.xml><?xml version="1.0" encoding="utf-8"?>
 <ds:datastoreItem xmlns:ds="http://schemas.openxmlformats.org/officeDocument/2006/customXml" ds:itemID="{4D4651DD-DCCC-4759-B2F6-7F520BDCC2B9}">
   <ds:schemaRefs>
     <ds:schemaRef ds:uri="http://schemas.microsoft.com/office/2006/metadata/contentType"/>
@@ -17575,4 +17905,29 @@
     <ds:schemaRef ds:uri="http://schemas.microsoft.com/internal/obd"/>
   </ds:schemaRefs>
 </ds:datastoreItem>
+</file>
+
+<file path=customXml/itemProps2.xml><?xml version="1.0" encoding="utf-8"?>
+<ds:datastoreItem xmlns:ds="http://schemas.openxmlformats.org/officeDocument/2006/customXml" ds:itemID="{B34386AA-1848-4C75-B336-1053927CB025}">
+  <ds:schemaRefs>
+    <ds:schemaRef ds:uri="http://schemas.microsoft.com/sharepoint/v3/contenttype/forms"/>
+  </ds:schemaRefs>
+</ds:datastoreItem>
+</file>
+
+<file path=customXml/itemProps3.xml><?xml version="1.0" encoding="utf-8"?>
+<ds:datastoreItem xmlns:ds="http://schemas.openxmlformats.org/officeDocument/2006/customXml" ds:itemID="{433DAF31-D8A6-49A0-9A5D-8B2EA5B1C511}">
+  <ds:schemaRefs>
+    <ds:schemaRef ds:uri="http://purl.org/dc/elements/1.1/"/>
+    <ds:schemaRef ds:uri="http://schemas.microsoft.com/office/2006/documentManagement/types"/>
+    <ds:schemaRef ds:uri="http://schemas.microsoft.com/office/infopath/2007/PartnerControls"/>
+    <ds:schemaRef ds:uri="http://purl.org/dc/dcmitype/"/>
+    <ds:schemaRef ds:uri="e96afe77-3acb-4328-97fc-408e1bde3ecd"/>
+    <ds:schemaRef ds:uri="http://schemas.microsoft.com/office/2006/metadata/properties"/>
+    <ds:schemaRef ds:uri="http://purl.org/dc/terms/"/>
+    <ds:schemaRef ds:uri="http://www.w3.org/XML/1998/namespace"/>
+    <ds:schemaRef ds:uri="http://schemas.openxmlformats.org/package/2006/metadata/core-properties"/>
+    <ds:schemaRef ds:uri="9875bd71-cde8-496c-a136-433f55d5e6d0"/>
+  </ds:schemaRefs>
+</ds:datastoreItem>
 </file>
--- a/docs/alarm_clock.pptx
+++ b/docs/alarm_clock.pptx
@@ -15298,8 +15298,8 @@
         </p:blipFill>
         <p:spPr bwMode="auto">
           <a:xfrm>
-            <a:off x="1066800" y="2715776"/>
-            <a:ext cx="4338918" cy="3073400"/>
+            <a:off x="503753" y="3153733"/>
+            <a:ext cx="3430539" cy="2429965"/>
           </a:xfrm>
           <a:prstGeom prst="rect">
             <a:avLst/>
@@ -15314,6 +15314,80 @@
               </a14:hiddenFill>
             </a:ext>
           </a:extLst>
+        </p:spPr>
+      </p:pic>
+      <p:pic>
+        <p:nvPicPr>
+          <p:cNvPr id="1026" name="Picture 2" descr="OV5640 5MP CMOS Image Sensor High-Performance Color Imaging 15 FPS at Full  Resolution">
+            <a:extLst>
+              <a:ext uri="{FF2B5EF4-FFF2-40B4-BE49-F238E27FC236}">
+                <a16:creationId xmlns:a16="http://schemas.microsoft.com/office/drawing/2014/main" id="{FB7B3E94-3773-4C9E-AFBD-43C28A14068E}"/>
+              </a:ext>
+            </a:extLst>
+          </p:cNvPr>
+          <p:cNvPicPr>
+            <a:picLocks noChangeAspect="1" noChangeArrowheads="1"/>
+          </p:cNvPicPr>
+          <p:nvPr/>
+        </p:nvPicPr>
+        <p:blipFill rotWithShape="1">
+          <a:blip r:embed="rId3">
+            <a:extLst>
+              <a:ext uri="{28A0092B-C50C-407E-A947-70E740481C1C}">
+                <a14:useLocalDpi xmlns:a14="http://schemas.microsoft.com/office/drawing/2010/main" val="0"/>
+              </a:ext>
+            </a:extLst>
+          </a:blip>
+          <a:srcRect l="18628" t="19869" r="17425" b="11765"/>
+          <a:stretch/>
+        </p:blipFill>
+        <p:spPr bwMode="auto">
+          <a:xfrm>
+            <a:off x="8329992" y="2478733"/>
+            <a:ext cx="3274476" cy="3500727"/>
+          </a:xfrm>
+          <a:prstGeom prst="rect">
+            <a:avLst/>
+          </a:prstGeom>
+          <a:noFill/>
+          <a:extLst>
+            <a:ext uri="{909E8E84-426E-40DD-AFC4-6F175D3DCCD1}">
+              <a14:hiddenFill xmlns:a14="http://schemas.microsoft.com/office/drawing/2010/main">
+                <a:solidFill>
+                  <a:srgbClr val="FFFFFF"/>
+                </a:solidFill>
+              </a14:hiddenFill>
+            </a:ext>
+          </a:extLst>
+        </p:spPr>
+      </p:pic>
+      <p:pic>
+        <p:nvPicPr>
+          <p:cNvPr id="4" name="Picture 3">
+            <a:extLst>
+              <a:ext uri="{FF2B5EF4-FFF2-40B4-BE49-F238E27FC236}">
+                <a16:creationId xmlns:a16="http://schemas.microsoft.com/office/drawing/2014/main" id="{BC1BC9D4-5BCC-4472-AF16-059C43D301DA}"/>
+              </a:ext>
+            </a:extLst>
+          </p:cNvPr>
+          <p:cNvPicPr>
+            <a:picLocks noChangeAspect="1"/>
+          </p:cNvPicPr>
+          <p:nvPr/>
+        </p:nvPicPr>
+        <p:blipFill rotWithShape="1">
+          <a:blip r:embed="rId4"/>
+          <a:srcRect t="13952" r="34101"/>
+          <a:stretch/>
+        </p:blipFill>
+        <p:spPr>
+          <a:xfrm>
+            <a:off x="4438464" y="2618351"/>
+            <a:ext cx="3570939" cy="3500728"/>
+          </a:xfrm>
+          <a:prstGeom prst="rect">
+            <a:avLst/>
+          </a:prstGeom>
         </p:spPr>
       </p:pic>
     </p:spTree>
@@ -16595,29 +16669,6 @@
           <a:chExt cx="0" cy="0"/>
         </a:xfrm>
       </p:grpSpPr>
-      <p:pic>
-        <p:nvPicPr>
-          <p:cNvPr id="11" name="Picture Placeholder 10">
-            <a:extLst>
-              <a:ext uri="{FF2B5EF4-FFF2-40B4-BE49-F238E27FC236}">
-                <a16:creationId xmlns:a16="http://schemas.microsoft.com/office/drawing/2014/main" id="{DA12CBBB-35ED-49C9-B271-B713E72FEA8D}"/>
-              </a:ext>
-            </a:extLst>
-          </p:cNvPr>
-          <p:cNvPicPr>
-            <a:picLocks noGrp="1" noChangeAspect="1"/>
-          </p:cNvPicPr>
-          <p:nvPr>
-            <p:ph type="pic" sz="quarter" idx="10"/>
-          </p:nvPr>
-        </p:nvPicPr>
-        <p:blipFill rotWithShape="1">
-          <a:blip r:embed="rId2"/>
-          <a:srcRect t="12461" b="12461"/>
-          <a:stretch/>
-        </p:blipFill>
-        <p:spPr/>
-      </p:pic>
       <p:sp>
         <p:nvSpPr>
           <p:cNvPr id="3" name="Заголовок 2">
@@ -16761,6 +16812,31 @@
           </a:p>
         </p:txBody>
       </p:sp>
+      <p:pic>
+        <p:nvPicPr>
+          <p:cNvPr id="12" name="Picture Placeholder 11">
+            <a:extLst>
+              <a:ext uri="{FF2B5EF4-FFF2-40B4-BE49-F238E27FC236}">
+                <a16:creationId xmlns:a16="http://schemas.microsoft.com/office/drawing/2014/main" id="{398A9601-ECE6-446C-B6B7-A377F67B8694}"/>
+              </a:ext>
+            </a:extLst>
+          </p:cNvPr>
+          <p:cNvPicPr>
+            <a:picLocks noGrp="1" noChangeAspect="1"/>
+          </p:cNvPicPr>
+          <p:nvPr>
+            <p:ph type="pic" sz="quarter" idx="10"/>
+          </p:nvPr>
+        </p:nvPicPr>
+        <p:blipFill>
+          <a:blip r:embed="rId2"/>
+          <a:srcRect l="1064" r="1064"/>
+          <a:stretch>
+            <a:fillRect/>
+          </a:stretch>
+        </p:blipFill>
+        <p:spPr/>
+      </p:pic>
     </p:spTree>
     <p:extLst>
       <p:ext uri="{BB962C8B-B14F-4D97-AF65-F5344CB8AC3E}">
@@ -17874,18 +17950,18 @@
 </file>
 
 <file path=customXml/item2.xml><?xml version="1.0" encoding="utf-8"?>
+<p:properties xmlns:p="http://schemas.microsoft.com/office/2006/metadata/properties" xmlns:xsi="http://www.w3.org/2001/XMLSchema-instance" xmlns:pc="http://schemas.microsoft.com/office/infopath/2007/PartnerControls">
+  <documentManagement/>
+</p:properties>
+</file>
+
+<file path=customXml/item3.xml><?xml version="1.0" encoding="utf-8"?>
 <?mso-contentType ?>
 <FormTemplates xmlns="http://schemas.microsoft.com/sharepoint/v3/contenttype/forms">
   <Display>DocumentLibraryForm</Display>
   <Edit>DocumentLibraryForm</Edit>
   <New>DocumentLibraryForm</New>
 </FormTemplates>
-</file>
-
-<file path=customXml/item3.xml><?xml version="1.0" encoding="utf-8"?>
-<p:properties xmlns:p="http://schemas.microsoft.com/office/2006/metadata/properties" xmlns:xsi="http://www.w3.org/2001/XMLSchema-instance" xmlns:pc="http://schemas.microsoft.com/office/infopath/2007/PartnerControls">
-  <documentManagement/>
-</p:properties>
 </file>
 
 <file path=customXml/itemProps1.xml><?xml version="1.0" encoding="utf-8"?>
@@ -17908,14 +17984,6 @@
 </file>
 
 <file path=customXml/itemProps2.xml><?xml version="1.0" encoding="utf-8"?>
-<ds:datastoreItem xmlns:ds="http://schemas.openxmlformats.org/officeDocument/2006/customXml" ds:itemID="{B34386AA-1848-4C75-B336-1053927CB025}">
-  <ds:schemaRefs>
-    <ds:schemaRef ds:uri="http://schemas.microsoft.com/sharepoint/v3/contenttype/forms"/>
-  </ds:schemaRefs>
-</ds:datastoreItem>
-</file>
-
-<file path=customXml/itemProps3.xml><?xml version="1.0" encoding="utf-8"?>
 <ds:datastoreItem xmlns:ds="http://schemas.openxmlformats.org/officeDocument/2006/customXml" ds:itemID="{433DAF31-D8A6-49A0-9A5D-8B2EA5B1C511}">
   <ds:schemaRefs>
     <ds:schemaRef ds:uri="http://purl.org/dc/elements/1.1/"/>
@@ -17930,4 +17998,12 @@
     <ds:schemaRef ds:uri="9875bd71-cde8-496c-a136-433f55d5e6d0"/>
   </ds:schemaRefs>
 </ds:datastoreItem>
+</file>
+
+<file path=customXml/itemProps3.xml><?xml version="1.0" encoding="utf-8"?>
+<ds:datastoreItem xmlns:ds="http://schemas.openxmlformats.org/officeDocument/2006/customXml" ds:itemID="{B34386AA-1848-4C75-B336-1053927CB025}">
+  <ds:schemaRefs>
+    <ds:schemaRef ds:uri="http://schemas.microsoft.com/sharepoint/v3/contenttype/forms"/>
+  </ds:schemaRefs>
+</ds:datastoreItem>
 </file>
--- a/docs/alarm_clock.pptx
+++ b/docs/alarm_clock.pptx
@@ -643,6 +643,98 @@
     <p:extLst>
       <p:ext uri="{BB962C8B-B14F-4D97-AF65-F5344CB8AC3E}">
         <p14:creationId xmlns:p14="http://schemas.microsoft.com/office/powerpoint/2010/main" val="243575922"/>
+      </p:ext>
+    </p:extLst>
+  </p:cSld>
+  <p:clrMapOvr>
+    <a:masterClrMapping/>
+  </p:clrMapOvr>
+</p:notes>
+</file>
+
+<file path=ppt/notesSlides/notesSlide2.xml><?xml version="1.0" encoding="utf-8"?>
+<p:notes xmlns:a="http://schemas.openxmlformats.org/drawingml/2006/main" xmlns:r="http://schemas.openxmlformats.org/officeDocument/2006/relationships" xmlns:p="http://schemas.openxmlformats.org/presentationml/2006/main">
+  <p:cSld>
+    <p:spTree>
+      <p:nvGrpSpPr>
+        <p:cNvPr id="1" name=""/>
+        <p:cNvGrpSpPr/>
+        <p:nvPr/>
+      </p:nvGrpSpPr>
+      <p:grpSpPr>
+        <a:xfrm>
+          <a:off x="0" y="0"/>
+          <a:ext cx="0" cy="0"/>
+          <a:chOff x="0" y="0"/>
+          <a:chExt cx="0" cy="0"/>
+        </a:xfrm>
+      </p:grpSpPr>
+      <p:sp>
+        <p:nvSpPr>
+          <p:cNvPr id="2" name="Slide Image Placeholder 1"/>
+          <p:cNvSpPr>
+            <a:spLocks noGrp="1" noRot="1" noChangeAspect="1"/>
+          </p:cNvSpPr>
+          <p:nvPr>
+            <p:ph type="sldImg"/>
+          </p:nvPr>
+        </p:nvSpPr>
+        <p:spPr/>
+      </p:sp>
+      <p:sp>
+        <p:nvSpPr>
+          <p:cNvPr id="3" name="Notes Placeholder 2"/>
+          <p:cNvSpPr>
+            <a:spLocks noGrp="1"/>
+          </p:cNvSpPr>
+          <p:nvPr>
+            <p:ph type="body" idx="1"/>
+          </p:nvPr>
+        </p:nvSpPr>
+        <p:spPr/>
+        <p:txBody>
+          <a:bodyPr/>
+          <a:lstStyle/>
+          <a:p>
+            <a:r>
+              <a:rPr lang="ru-RU" dirty="0"/>
+              <a:t>Выполнив эту работу мы узнали много нового. Эти знания могут пригодится нам в дальнейшем, так как перспективы использования таких технологий </a:t>
+            </a:r>
+            <a:r>
+              <a:rPr lang="ru-RU"/>
+              <a:t>практически безграничны</a:t>
+            </a:r>
+            <a:endParaRPr lang="ru-RU" dirty="0"/>
+          </a:p>
+        </p:txBody>
+      </p:sp>
+      <p:sp>
+        <p:nvSpPr>
+          <p:cNvPr id="4" name="Slide Number Placeholder 3"/>
+          <p:cNvSpPr>
+            <a:spLocks noGrp="1"/>
+          </p:cNvSpPr>
+          <p:nvPr>
+            <p:ph type="sldNum" sz="quarter" idx="5"/>
+          </p:nvPr>
+        </p:nvSpPr>
+        <p:spPr/>
+        <p:txBody>
+          <a:bodyPr/>
+          <a:lstStyle/>
+          <a:p>
+            <a:fld id="{6C748903-8EB5-294E-A216-6B54B0368783}" type="slidenum">
+              <a:rPr lang="en-RU" smtClean="0"/>
+              <a:t>9</a:t>
+            </a:fld>
+            <a:endParaRPr lang="en-RU"/>
+          </a:p>
+        </p:txBody>
+      </p:sp>
+    </p:spTree>
+    <p:extLst>
+      <p:ext uri="{BB962C8B-B14F-4D97-AF65-F5344CB8AC3E}">
+        <p14:creationId xmlns:p14="http://schemas.microsoft.com/office/powerpoint/2010/main" val="2218603940"/>
       </p:ext>
     </p:extLst>
   </p:cSld>
@@ -17077,7 +17169,7 @@
           </p:nvPr>
         </p:nvPicPr>
         <p:blipFill rotWithShape="1">
-          <a:blip r:embed="rId2">
+          <a:blip r:embed="rId3">
             <a:extLst>
               <a:ext uri="{28A0092B-C50C-407E-A947-70E740481C1C}">
                 <a14:useLocalDpi xmlns:a14="http://schemas.microsoft.com/office/drawing/2010/main" val="0"/>
@@ -17950,18 +18042,18 @@
 </file>
 
 <file path=customXml/item2.xml><?xml version="1.0" encoding="utf-8"?>
-<p:properties xmlns:p="http://schemas.microsoft.com/office/2006/metadata/properties" xmlns:xsi="http://www.w3.org/2001/XMLSchema-instance" xmlns:pc="http://schemas.microsoft.com/office/infopath/2007/PartnerControls">
-  <documentManagement/>
-</p:properties>
-</file>
-
-<file path=customXml/item3.xml><?xml version="1.0" encoding="utf-8"?>
 <?mso-contentType ?>
 <FormTemplates xmlns="http://schemas.microsoft.com/sharepoint/v3/contenttype/forms">
   <Display>DocumentLibraryForm</Display>
   <Edit>DocumentLibraryForm</Edit>
   <New>DocumentLibraryForm</New>
 </FormTemplates>
+</file>
+
+<file path=customXml/item3.xml><?xml version="1.0" encoding="utf-8"?>
+<p:properties xmlns:p="http://schemas.microsoft.com/office/2006/metadata/properties" xmlns:xsi="http://www.w3.org/2001/XMLSchema-instance" xmlns:pc="http://schemas.microsoft.com/office/infopath/2007/PartnerControls">
+  <documentManagement/>
+</p:properties>
 </file>
 
 <file path=customXml/itemProps1.xml><?xml version="1.0" encoding="utf-8"?>
@@ -17984,26 +18076,26 @@
 </file>
 
 <file path=customXml/itemProps2.xml><?xml version="1.0" encoding="utf-8"?>
-<ds:datastoreItem xmlns:ds="http://schemas.openxmlformats.org/officeDocument/2006/customXml" ds:itemID="{433DAF31-D8A6-49A0-9A5D-8B2EA5B1C511}">
+<ds:datastoreItem xmlns:ds="http://schemas.openxmlformats.org/officeDocument/2006/customXml" ds:itemID="{B34386AA-1848-4C75-B336-1053927CB025}">
   <ds:schemaRefs>
-    <ds:schemaRef ds:uri="http://purl.org/dc/elements/1.1/"/>
-    <ds:schemaRef ds:uri="http://schemas.microsoft.com/office/2006/documentManagement/types"/>
-    <ds:schemaRef ds:uri="http://schemas.microsoft.com/office/infopath/2007/PartnerControls"/>
-    <ds:schemaRef ds:uri="http://purl.org/dc/dcmitype/"/>
-    <ds:schemaRef ds:uri="e96afe77-3acb-4328-97fc-408e1bde3ecd"/>
-    <ds:schemaRef ds:uri="http://schemas.microsoft.com/office/2006/metadata/properties"/>
-    <ds:schemaRef ds:uri="http://purl.org/dc/terms/"/>
-    <ds:schemaRef ds:uri="http://www.w3.org/XML/1998/namespace"/>
-    <ds:schemaRef ds:uri="http://schemas.openxmlformats.org/package/2006/metadata/core-properties"/>
-    <ds:schemaRef ds:uri="9875bd71-cde8-496c-a136-433f55d5e6d0"/>
+    <ds:schemaRef ds:uri="http://schemas.microsoft.com/sharepoint/v3/contenttype/forms"/>
   </ds:schemaRefs>
 </ds:datastoreItem>
 </file>
 
 <file path=customXml/itemProps3.xml><?xml version="1.0" encoding="utf-8"?>
-<ds:datastoreItem xmlns:ds="http://schemas.openxmlformats.org/officeDocument/2006/customXml" ds:itemID="{B34386AA-1848-4C75-B336-1053927CB025}">
+<ds:datastoreItem xmlns:ds="http://schemas.openxmlformats.org/officeDocument/2006/customXml" ds:itemID="{433DAF31-D8A6-49A0-9A5D-8B2EA5B1C511}">
   <ds:schemaRefs>
-    <ds:schemaRef ds:uri="http://schemas.microsoft.com/sharepoint/v3/contenttype/forms"/>
+    <ds:schemaRef ds:uri="http://schemas.microsoft.com/office/2006/metadata/properties"/>
+    <ds:schemaRef ds:uri="http://schemas.microsoft.com/office/infopath/2007/PartnerControls"/>
+    <ds:schemaRef ds:uri="http://www.w3.org/XML/1998/namespace"/>
+    <ds:schemaRef ds:uri="http://schemas.microsoft.com/office/2006/documentManagement/types"/>
+    <ds:schemaRef ds:uri="http://purl.org/dc/elements/1.1/"/>
+    <ds:schemaRef ds:uri="http://schemas.openxmlformats.org/package/2006/metadata/core-properties"/>
+    <ds:schemaRef ds:uri="e96afe77-3acb-4328-97fc-408e1bde3ecd"/>
+    <ds:schemaRef ds:uri="9875bd71-cde8-496c-a136-433f55d5e6d0"/>
+    <ds:schemaRef ds:uri="http://purl.org/dc/dcmitype/"/>
+    <ds:schemaRef ds:uri="http://purl.org/dc/terms/"/>
   </ds:schemaRefs>
 </ds:datastoreItem>
 </file>